--- a/Android Advanced UI.pptx
+++ b/Android Advanced UI.pptx
@@ -1,38 +1,38 @@
 
 <file path=ppt/presentation.xml><?xml version="1.0" encoding="utf-8"?>
-<p:presentation xmlns:a="http://schemas.openxmlformats.org/drawingml/2006/main" xmlns:r="http://schemas.openxmlformats.org/officeDocument/2006/relationships" xmlns:p="http://schemas.openxmlformats.org/presentationml/2006/main" saveSubsetFonts="1">
+<p:presentation xmlns:a="http://schemas.openxmlformats.org/drawingml/2006/main" xmlns:r="http://schemas.openxmlformats.org/officeDocument/2006/relationships" xmlns:p="http://schemas.openxmlformats.org/presentationml/2006/main">
   <p:sldMasterIdLst>
     <p:sldMasterId id="2147483648" r:id="rId1"/>
   </p:sldMasterIdLst>
   <p:sldIdLst>
-    <p:sldId id="256" r:id="rId2"/>
-    <p:sldId id="257" r:id="rId3"/>
-    <p:sldId id="258" r:id="rId4"/>
-    <p:sldId id="259" r:id="rId5"/>
-    <p:sldId id="270" r:id="rId6"/>
-    <p:sldId id="260" r:id="rId7"/>
-    <p:sldId id="261" r:id="rId8"/>
-    <p:sldId id="279" r:id="rId9"/>
-    <p:sldId id="262" r:id="rId10"/>
-    <p:sldId id="280" r:id="rId11"/>
-    <p:sldId id="263" r:id="rId12"/>
-    <p:sldId id="281" r:id="rId13"/>
-    <p:sldId id="271" r:id="rId14"/>
-    <p:sldId id="282" r:id="rId15"/>
-    <p:sldId id="272" r:id="rId16"/>
-    <p:sldId id="264" r:id="rId17"/>
-    <p:sldId id="265" r:id="rId18"/>
-    <p:sldId id="276" r:id="rId19"/>
-    <p:sldId id="277" r:id="rId20"/>
-    <p:sldId id="283" r:id="rId21"/>
-    <p:sldId id="266" r:id="rId22"/>
-    <p:sldId id="278" r:id="rId23"/>
-    <p:sldId id="267" r:id="rId24"/>
-    <p:sldId id="284" r:id="rId25"/>
-    <p:sldId id="268" r:id="rId26"/>
-    <p:sldId id="269" r:id="rId27"/>
-    <p:sldId id="273" r:id="rId28"/>
-    <p:sldId id="275" r:id="rId29"/>
+    <p:sldId id="256" r:id="rId3"/>
+    <p:sldId id="257" r:id="rId4"/>
+    <p:sldId id="258" r:id="rId5"/>
+    <p:sldId id="259" r:id="rId6"/>
+    <p:sldId id="270" r:id="rId7"/>
+    <p:sldId id="260" r:id="rId8"/>
+    <p:sldId id="261" r:id="rId9"/>
+    <p:sldId id="279" r:id="rId10"/>
+    <p:sldId id="262" r:id="rId11"/>
+    <p:sldId id="280" r:id="rId12"/>
+    <p:sldId id="263" r:id="rId13"/>
+    <p:sldId id="281" r:id="rId14"/>
+    <p:sldId id="271" r:id="rId15"/>
+    <p:sldId id="282" r:id="rId16"/>
+    <p:sldId id="272" r:id="rId17"/>
+    <p:sldId id="264" r:id="rId18"/>
+    <p:sldId id="265" r:id="rId19"/>
+    <p:sldId id="276" r:id="rId20"/>
+    <p:sldId id="277" r:id="rId21"/>
+    <p:sldId id="283" r:id="rId22"/>
+    <p:sldId id="266" r:id="rId23"/>
+    <p:sldId id="278" r:id="rId24"/>
+    <p:sldId id="267" r:id="rId25"/>
+    <p:sldId id="284" r:id="rId26"/>
+    <p:sldId id="268" r:id="rId27"/>
+    <p:sldId id="269" r:id="rId28"/>
+    <p:sldId id="273" r:id="rId29"/>
+    <p:sldId id="275" r:id="rId30"/>
   </p:sldIdLst>
   <p:sldSz cx="12192000" cy="6858000"/>
   <p:notesSz cx="6858000" cy="9144000"/>
@@ -131,11 +131,6 @@
       </a:defRPr>
     </a:lvl9pPr>
   </p:defaultTextStyle>
-  <p:extLst>
-    <p:ext uri="{EFAFB233-063F-42B5-8137-9DF3F51BA10A}">
-      <p15:sldGuideLst xmlns:p15="http://schemas.microsoft.com/office/powerpoint/2012/main"/>
-    </p:ext>
-  </p:extLst>
 </p:presentation>
 </file>
 
@@ -158,13 +153,7 @@
       </p:grpSpPr>
       <p:sp>
         <p:nvSpPr>
-          <p:cNvPr id="2" name="标题 1">
-            <a:extLst>
-              <a:ext uri="{FF2B5EF4-FFF2-40B4-BE49-F238E27FC236}">
-                <a16:creationId xmlns:a16="http://schemas.microsoft.com/office/drawing/2014/main" id="{E491376B-74EC-4DB7-A879-CCFB658EAB66}"/>
-              </a:ext>
-            </a:extLst>
-          </p:cNvPr>
+          <p:cNvPr id="2" name="标题 1"/>
           <p:cNvSpPr>
             <a:spLocks noGrp="1"/>
           </p:cNvSpPr>
@@ -190,18 +179,13 @@
               <a:rPr lang="zh-CN" altLang="en-US"/>
               <a:t>单击此处编辑母版标题样式</a:t>
             </a:r>
-          </a:p>
-        </p:txBody>
-      </p:sp>
-      <p:sp>
-        <p:nvSpPr>
-          <p:cNvPr id="3" name="副标题 2">
-            <a:extLst>
-              <a:ext uri="{FF2B5EF4-FFF2-40B4-BE49-F238E27FC236}">
-                <a16:creationId xmlns:a16="http://schemas.microsoft.com/office/drawing/2014/main" id="{51A71717-1E93-4757-9A50-60256FE0B655}"/>
-              </a:ext>
-            </a:extLst>
-          </p:cNvPr>
+            <a:endParaRPr lang="zh-CN" altLang="en-US"/>
+          </a:p>
+        </p:txBody>
+      </p:sp>
+      <p:sp>
+        <p:nvSpPr>
+          <p:cNvPr id="3" name="副标题 2"/>
           <p:cNvSpPr>
             <a:spLocks noGrp="1"/>
           </p:cNvSpPr>
@@ -260,18 +244,13 @@
               <a:rPr lang="zh-CN" altLang="en-US"/>
               <a:t>单击此处编辑母版副标题样式</a:t>
             </a:r>
-          </a:p>
-        </p:txBody>
-      </p:sp>
-      <p:sp>
-        <p:nvSpPr>
-          <p:cNvPr id="4" name="日期占位符 3">
-            <a:extLst>
-              <a:ext uri="{FF2B5EF4-FFF2-40B4-BE49-F238E27FC236}">
-                <a16:creationId xmlns:a16="http://schemas.microsoft.com/office/drawing/2014/main" id="{146A1F11-22DA-4E58-B434-3891AA31537C}"/>
-              </a:ext>
-            </a:extLst>
-          </p:cNvPr>
+            <a:endParaRPr lang="zh-CN" altLang="en-US"/>
+          </a:p>
+        </p:txBody>
+      </p:sp>
+      <p:sp>
+        <p:nvSpPr>
+          <p:cNvPr id="4" name="日期占位符 3"/>
           <p:cNvSpPr>
             <a:spLocks noGrp="1"/>
           </p:cNvSpPr>
@@ -286,7 +265,6 @@
           <a:p>
             <a:fld id="{5D25FC06-34A5-4451-A461-D446FFBE8562}" type="datetimeFigureOut">
               <a:rPr lang="zh-CN" altLang="en-US" smtClean="0"/>
-              <a:t>2020/11/29</a:t>
             </a:fld>
             <a:endParaRPr lang="zh-CN" altLang="en-US"/>
           </a:p>
@@ -294,13 +272,7 @@
       </p:sp>
       <p:sp>
         <p:nvSpPr>
-          <p:cNvPr id="5" name="页脚占位符 4">
-            <a:extLst>
-              <a:ext uri="{FF2B5EF4-FFF2-40B4-BE49-F238E27FC236}">
-                <a16:creationId xmlns:a16="http://schemas.microsoft.com/office/drawing/2014/main" id="{5F135744-34FF-48EA-883C-0C98C9294846}"/>
-              </a:ext>
-            </a:extLst>
-          </p:cNvPr>
+          <p:cNvPr id="5" name="页脚占位符 4"/>
           <p:cNvSpPr>
             <a:spLocks noGrp="1"/>
           </p:cNvSpPr>
@@ -319,13 +291,7 @@
       </p:sp>
       <p:sp>
         <p:nvSpPr>
-          <p:cNvPr id="6" name="灯片编号占位符 5">
-            <a:extLst>
-              <a:ext uri="{FF2B5EF4-FFF2-40B4-BE49-F238E27FC236}">
-                <a16:creationId xmlns:a16="http://schemas.microsoft.com/office/drawing/2014/main" id="{748E17B7-3614-43FD-ACB9-EE5FDE6D8042}"/>
-              </a:ext>
-            </a:extLst>
-          </p:cNvPr>
+          <p:cNvPr id="6" name="灯片编号占位符 5"/>
           <p:cNvSpPr>
             <a:spLocks noGrp="1"/>
           </p:cNvSpPr>
@@ -340,18 +306,12 @@
           <a:p>
             <a:fld id="{28563E2E-941F-4DA8-BCB0-049624E3C273}" type="slidenum">
               <a:rPr lang="zh-CN" altLang="en-US" smtClean="0"/>
-              <a:t>‹#›</a:t>
             </a:fld>
             <a:endParaRPr lang="zh-CN" altLang="en-US"/>
           </a:p>
         </p:txBody>
       </p:sp>
     </p:spTree>
-    <p:extLst>
-      <p:ext uri="{BB962C8B-B14F-4D97-AF65-F5344CB8AC3E}">
-        <p14:creationId xmlns:p14="http://schemas.microsoft.com/office/powerpoint/2010/main" val="3007428521"/>
-      </p:ext>
-    </p:extLst>
   </p:cSld>
   <p:clrMapOvr>
     <a:masterClrMapping/>
@@ -378,13 +338,7 @@
       </p:grpSpPr>
       <p:sp>
         <p:nvSpPr>
-          <p:cNvPr id="2" name="标题 1">
-            <a:extLst>
-              <a:ext uri="{FF2B5EF4-FFF2-40B4-BE49-F238E27FC236}">
-                <a16:creationId xmlns:a16="http://schemas.microsoft.com/office/drawing/2014/main" id="{2F13F489-F270-4DB6-9A60-8A76C0CED1BC}"/>
-              </a:ext>
-            </a:extLst>
-          </p:cNvPr>
+          <p:cNvPr id="2" name="标题 1"/>
           <p:cNvSpPr>
             <a:spLocks noGrp="1"/>
           </p:cNvSpPr>
@@ -401,18 +355,13 @@
               <a:rPr lang="zh-CN" altLang="en-US"/>
               <a:t>单击此处编辑母版标题样式</a:t>
             </a:r>
-          </a:p>
-        </p:txBody>
-      </p:sp>
-      <p:sp>
-        <p:nvSpPr>
-          <p:cNvPr id="3" name="竖排文字占位符 2">
-            <a:extLst>
-              <a:ext uri="{FF2B5EF4-FFF2-40B4-BE49-F238E27FC236}">
-                <a16:creationId xmlns:a16="http://schemas.microsoft.com/office/drawing/2014/main" id="{8B148E35-BDFB-491F-AC8A-1167B128437A}"/>
-              </a:ext>
-            </a:extLst>
-          </p:cNvPr>
+            <a:endParaRPr lang="zh-CN" altLang="en-US"/>
+          </a:p>
+        </p:txBody>
+      </p:sp>
+      <p:sp>
+        <p:nvSpPr>
+          <p:cNvPr id="3" name="竖排文字占位符 2"/>
           <p:cNvSpPr>
             <a:spLocks noGrp="1"/>
           </p:cNvSpPr>
@@ -430,6 +379,7 @@
               <a:rPr lang="zh-CN" altLang="en-US"/>
               <a:t>单击此处编辑母版文本样式</a:t>
             </a:r>
+            <a:endParaRPr lang="zh-CN" altLang="en-US"/>
           </a:p>
           <a:p>
             <a:pPr lvl="1"/>
@@ -437,6 +387,7 @@
               <a:rPr lang="zh-CN" altLang="en-US"/>
               <a:t>二级</a:t>
             </a:r>
+            <a:endParaRPr lang="zh-CN" altLang="en-US"/>
           </a:p>
           <a:p>
             <a:pPr lvl="2"/>
@@ -444,6 +395,7 @@
               <a:rPr lang="zh-CN" altLang="en-US"/>
               <a:t>三级</a:t>
             </a:r>
+            <a:endParaRPr lang="zh-CN" altLang="en-US"/>
           </a:p>
           <a:p>
             <a:pPr lvl="3"/>
@@ -451,6 +403,7 @@
               <a:rPr lang="zh-CN" altLang="en-US"/>
               <a:t>四级</a:t>
             </a:r>
+            <a:endParaRPr lang="zh-CN" altLang="en-US"/>
           </a:p>
           <a:p>
             <a:pPr lvl="4"/>
@@ -458,18 +411,13 @@
               <a:rPr lang="zh-CN" altLang="en-US"/>
               <a:t>五级</a:t>
             </a:r>
-          </a:p>
-        </p:txBody>
-      </p:sp>
-      <p:sp>
-        <p:nvSpPr>
-          <p:cNvPr id="4" name="日期占位符 3">
-            <a:extLst>
-              <a:ext uri="{FF2B5EF4-FFF2-40B4-BE49-F238E27FC236}">
-                <a16:creationId xmlns:a16="http://schemas.microsoft.com/office/drawing/2014/main" id="{6351CA8D-D5AC-4535-8EF7-BE6155B47FFA}"/>
-              </a:ext>
-            </a:extLst>
-          </p:cNvPr>
+            <a:endParaRPr lang="zh-CN" altLang="en-US"/>
+          </a:p>
+        </p:txBody>
+      </p:sp>
+      <p:sp>
+        <p:nvSpPr>
+          <p:cNvPr id="4" name="日期占位符 3"/>
           <p:cNvSpPr>
             <a:spLocks noGrp="1"/>
           </p:cNvSpPr>
@@ -484,7 +432,6 @@
           <a:p>
             <a:fld id="{5D25FC06-34A5-4451-A461-D446FFBE8562}" type="datetimeFigureOut">
               <a:rPr lang="zh-CN" altLang="en-US" smtClean="0"/>
-              <a:t>2020/11/29</a:t>
             </a:fld>
             <a:endParaRPr lang="zh-CN" altLang="en-US"/>
           </a:p>
@@ -492,13 +439,7 @@
       </p:sp>
       <p:sp>
         <p:nvSpPr>
-          <p:cNvPr id="5" name="页脚占位符 4">
-            <a:extLst>
-              <a:ext uri="{FF2B5EF4-FFF2-40B4-BE49-F238E27FC236}">
-                <a16:creationId xmlns:a16="http://schemas.microsoft.com/office/drawing/2014/main" id="{EDFD6BA4-40F7-4CFB-AF5C-568F24E176A3}"/>
-              </a:ext>
-            </a:extLst>
-          </p:cNvPr>
+          <p:cNvPr id="5" name="页脚占位符 4"/>
           <p:cNvSpPr>
             <a:spLocks noGrp="1"/>
           </p:cNvSpPr>
@@ -517,13 +458,7 @@
       </p:sp>
       <p:sp>
         <p:nvSpPr>
-          <p:cNvPr id="6" name="灯片编号占位符 5">
-            <a:extLst>
-              <a:ext uri="{FF2B5EF4-FFF2-40B4-BE49-F238E27FC236}">
-                <a16:creationId xmlns:a16="http://schemas.microsoft.com/office/drawing/2014/main" id="{655E58CE-9B6C-47C9-AFE0-5903504EDCE1}"/>
-              </a:ext>
-            </a:extLst>
-          </p:cNvPr>
+          <p:cNvPr id="6" name="灯片编号占位符 5"/>
           <p:cNvSpPr>
             <a:spLocks noGrp="1"/>
           </p:cNvSpPr>
@@ -538,18 +473,12 @@
           <a:p>
             <a:fld id="{28563E2E-941F-4DA8-BCB0-049624E3C273}" type="slidenum">
               <a:rPr lang="zh-CN" altLang="en-US" smtClean="0"/>
-              <a:t>‹#›</a:t>
             </a:fld>
             <a:endParaRPr lang="zh-CN" altLang="en-US"/>
           </a:p>
         </p:txBody>
       </p:sp>
     </p:spTree>
-    <p:extLst>
-      <p:ext uri="{BB962C8B-B14F-4D97-AF65-F5344CB8AC3E}">
-        <p14:creationId xmlns:p14="http://schemas.microsoft.com/office/powerpoint/2010/main" val="629703158"/>
-      </p:ext>
-    </p:extLst>
   </p:cSld>
   <p:clrMapOvr>
     <a:masterClrMapping/>
@@ -576,13 +505,7 @@
       </p:grpSpPr>
       <p:sp>
         <p:nvSpPr>
-          <p:cNvPr id="2" name="竖排标题 1">
-            <a:extLst>
-              <a:ext uri="{FF2B5EF4-FFF2-40B4-BE49-F238E27FC236}">
-                <a16:creationId xmlns:a16="http://schemas.microsoft.com/office/drawing/2014/main" id="{BA0E9472-AA12-4DCE-834D-C378BC1F8DAA}"/>
-              </a:ext>
-            </a:extLst>
-          </p:cNvPr>
+          <p:cNvPr id="2" name="竖排标题 1"/>
           <p:cNvSpPr>
             <a:spLocks noGrp="1"/>
           </p:cNvSpPr>
@@ -604,18 +527,13 @@
               <a:rPr lang="zh-CN" altLang="en-US"/>
               <a:t>单击此处编辑母版标题样式</a:t>
             </a:r>
-          </a:p>
-        </p:txBody>
-      </p:sp>
-      <p:sp>
-        <p:nvSpPr>
-          <p:cNvPr id="3" name="竖排文字占位符 2">
-            <a:extLst>
-              <a:ext uri="{FF2B5EF4-FFF2-40B4-BE49-F238E27FC236}">
-                <a16:creationId xmlns:a16="http://schemas.microsoft.com/office/drawing/2014/main" id="{74F9B55F-FC75-4849-B817-BC2EC95956C7}"/>
-              </a:ext>
-            </a:extLst>
-          </p:cNvPr>
+            <a:endParaRPr lang="zh-CN" altLang="en-US"/>
+          </a:p>
+        </p:txBody>
+      </p:sp>
+      <p:sp>
+        <p:nvSpPr>
+          <p:cNvPr id="3" name="竖排文字占位符 2"/>
           <p:cNvSpPr>
             <a:spLocks noGrp="1"/>
           </p:cNvSpPr>
@@ -638,6 +556,7 @@
               <a:rPr lang="zh-CN" altLang="en-US"/>
               <a:t>单击此处编辑母版文本样式</a:t>
             </a:r>
+            <a:endParaRPr lang="zh-CN" altLang="en-US"/>
           </a:p>
           <a:p>
             <a:pPr lvl="1"/>
@@ -645,6 +564,7 @@
               <a:rPr lang="zh-CN" altLang="en-US"/>
               <a:t>二级</a:t>
             </a:r>
+            <a:endParaRPr lang="zh-CN" altLang="en-US"/>
           </a:p>
           <a:p>
             <a:pPr lvl="2"/>
@@ -652,6 +572,7 @@
               <a:rPr lang="zh-CN" altLang="en-US"/>
               <a:t>三级</a:t>
             </a:r>
+            <a:endParaRPr lang="zh-CN" altLang="en-US"/>
           </a:p>
           <a:p>
             <a:pPr lvl="3"/>
@@ -659,6 +580,7 @@
               <a:rPr lang="zh-CN" altLang="en-US"/>
               <a:t>四级</a:t>
             </a:r>
+            <a:endParaRPr lang="zh-CN" altLang="en-US"/>
           </a:p>
           <a:p>
             <a:pPr lvl="4"/>
@@ -666,18 +588,13 @@
               <a:rPr lang="zh-CN" altLang="en-US"/>
               <a:t>五级</a:t>
             </a:r>
-          </a:p>
-        </p:txBody>
-      </p:sp>
-      <p:sp>
-        <p:nvSpPr>
-          <p:cNvPr id="4" name="日期占位符 3">
-            <a:extLst>
-              <a:ext uri="{FF2B5EF4-FFF2-40B4-BE49-F238E27FC236}">
-                <a16:creationId xmlns:a16="http://schemas.microsoft.com/office/drawing/2014/main" id="{1C9FB589-D29E-4A62-ABA7-F547DA00303D}"/>
-              </a:ext>
-            </a:extLst>
-          </p:cNvPr>
+            <a:endParaRPr lang="zh-CN" altLang="en-US"/>
+          </a:p>
+        </p:txBody>
+      </p:sp>
+      <p:sp>
+        <p:nvSpPr>
+          <p:cNvPr id="4" name="日期占位符 3"/>
           <p:cNvSpPr>
             <a:spLocks noGrp="1"/>
           </p:cNvSpPr>
@@ -692,7 +609,6 @@
           <a:p>
             <a:fld id="{5D25FC06-34A5-4451-A461-D446FFBE8562}" type="datetimeFigureOut">
               <a:rPr lang="zh-CN" altLang="en-US" smtClean="0"/>
-              <a:t>2020/11/29</a:t>
             </a:fld>
             <a:endParaRPr lang="zh-CN" altLang="en-US"/>
           </a:p>
@@ -700,13 +616,7 @@
       </p:sp>
       <p:sp>
         <p:nvSpPr>
-          <p:cNvPr id="5" name="页脚占位符 4">
-            <a:extLst>
-              <a:ext uri="{FF2B5EF4-FFF2-40B4-BE49-F238E27FC236}">
-                <a16:creationId xmlns:a16="http://schemas.microsoft.com/office/drawing/2014/main" id="{56E29300-A722-43F4-AEA5-CAB17FF3C58C}"/>
-              </a:ext>
-            </a:extLst>
-          </p:cNvPr>
+          <p:cNvPr id="5" name="页脚占位符 4"/>
           <p:cNvSpPr>
             <a:spLocks noGrp="1"/>
           </p:cNvSpPr>
@@ -725,13 +635,7 @@
       </p:sp>
       <p:sp>
         <p:nvSpPr>
-          <p:cNvPr id="6" name="灯片编号占位符 5">
-            <a:extLst>
-              <a:ext uri="{FF2B5EF4-FFF2-40B4-BE49-F238E27FC236}">
-                <a16:creationId xmlns:a16="http://schemas.microsoft.com/office/drawing/2014/main" id="{91DA9CA1-3A21-4253-9C1F-A58740AE7A10}"/>
-              </a:ext>
-            </a:extLst>
-          </p:cNvPr>
+          <p:cNvPr id="6" name="灯片编号占位符 5"/>
           <p:cNvSpPr>
             <a:spLocks noGrp="1"/>
           </p:cNvSpPr>
@@ -746,18 +650,12 @@
           <a:p>
             <a:fld id="{28563E2E-941F-4DA8-BCB0-049624E3C273}" type="slidenum">
               <a:rPr lang="zh-CN" altLang="en-US" smtClean="0"/>
-              <a:t>‹#›</a:t>
             </a:fld>
             <a:endParaRPr lang="zh-CN" altLang="en-US"/>
           </a:p>
         </p:txBody>
       </p:sp>
     </p:spTree>
-    <p:extLst>
-      <p:ext uri="{BB962C8B-B14F-4D97-AF65-F5344CB8AC3E}">
-        <p14:creationId xmlns:p14="http://schemas.microsoft.com/office/powerpoint/2010/main" val="2264361138"/>
-      </p:ext>
-    </p:extLst>
   </p:cSld>
   <p:clrMapOvr>
     <a:masterClrMapping/>
@@ -784,13 +682,7 @@
       </p:grpSpPr>
       <p:sp>
         <p:nvSpPr>
-          <p:cNvPr id="2" name="标题 1">
-            <a:extLst>
-              <a:ext uri="{FF2B5EF4-FFF2-40B4-BE49-F238E27FC236}">
-                <a16:creationId xmlns:a16="http://schemas.microsoft.com/office/drawing/2014/main" id="{530B4553-B9A6-4B67-B3A5-FA1A513EA517}"/>
-              </a:ext>
-            </a:extLst>
-          </p:cNvPr>
+          <p:cNvPr id="2" name="标题 1"/>
           <p:cNvSpPr>
             <a:spLocks noGrp="1"/>
           </p:cNvSpPr>
@@ -807,18 +699,13 @@
               <a:rPr lang="zh-CN" altLang="en-US"/>
               <a:t>单击此处编辑母版标题样式</a:t>
             </a:r>
-          </a:p>
-        </p:txBody>
-      </p:sp>
-      <p:sp>
-        <p:nvSpPr>
-          <p:cNvPr id="3" name="内容占位符 2">
-            <a:extLst>
-              <a:ext uri="{FF2B5EF4-FFF2-40B4-BE49-F238E27FC236}">
-                <a16:creationId xmlns:a16="http://schemas.microsoft.com/office/drawing/2014/main" id="{0BE87AC8-48DE-4AEE-86C7-A8A1CA4E3E58}"/>
-              </a:ext>
-            </a:extLst>
-          </p:cNvPr>
+            <a:endParaRPr lang="zh-CN" altLang="en-US"/>
+          </a:p>
+        </p:txBody>
+      </p:sp>
+      <p:sp>
+        <p:nvSpPr>
+          <p:cNvPr id="3" name="内容占位符 2"/>
           <p:cNvSpPr>
             <a:spLocks noGrp="1"/>
           </p:cNvSpPr>
@@ -836,6 +723,7 @@
               <a:rPr lang="zh-CN" altLang="en-US"/>
               <a:t>单击此处编辑母版文本样式</a:t>
             </a:r>
+            <a:endParaRPr lang="zh-CN" altLang="en-US"/>
           </a:p>
           <a:p>
             <a:pPr lvl="1"/>
@@ -843,6 +731,7 @@
               <a:rPr lang="zh-CN" altLang="en-US"/>
               <a:t>二级</a:t>
             </a:r>
+            <a:endParaRPr lang="zh-CN" altLang="en-US"/>
           </a:p>
           <a:p>
             <a:pPr lvl="2"/>
@@ -850,6 +739,7 @@
               <a:rPr lang="zh-CN" altLang="en-US"/>
               <a:t>三级</a:t>
             </a:r>
+            <a:endParaRPr lang="zh-CN" altLang="en-US"/>
           </a:p>
           <a:p>
             <a:pPr lvl="3"/>
@@ -857,6 +747,7 @@
               <a:rPr lang="zh-CN" altLang="en-US"/>
               <a:t>四级</a:t>
             </a:r>
+            <a:endParaRPr lang="zh-CN" altLang="en-US"/>
           </a:p>
           <a:p>
             <a:pPr lvl="4"/>
@@ -864,18 +755,13 @@
               <a:rPr lang="zh-CN" altLang="en-US"/>
               <a:t>五级</a:t>
             </a:r>
-          </a:p>
-        </p:txBody>
-      </p:sp>
-      <p:sp>
-        <p:nvSpPr>
-          <p:cNvPr id="4" name="日期占位符 3">
-            <a:extLst>
-              <a:ext uri="{FF2B5EF4-FFF2-40B4-BE49-F238E27FC236}">
-                <a16:creationId xmlns:a16="http://schemas.microsoft.com/office/drawing/2014/main" id="{2679D7BC-0937-43BC-9007-FC11ECAE6EBA}"/>
-              </a:ext>
-            </a:extLst>
-          </p:cNvPr>
+            <a:endParaRPr lang="zh-CN" altLang="en-US"/>
+          </a:p>
+        </p:txBody>
+      </p:sp>
+      <p:sp>
+        <p:nvSpPr>
+          <p:cNvPr id="4" name="日期占位符 3"/>
           <p:cNvSpPr>
             <a:spLocks noGrp="1"/>
           </p:cNvSpPr>
@@ -890,7 +776,6 @@
           <a:p>
             <a:fld id="{5D25FC06-34A5-4451-A461-D446FFBE8562}" type="datetimeFigureOut">
               <a:rPr lang="zh-CN" altLang="en-US" smtClean="0"/>
-              <a:t>2020/11/29</a:t>
             </a:fld>
             <a:endParaRPr lang="zh-CN" altLang="en-US"/>
           </a:p>
@@ -898,13 +783,7 @@
       </p:sp>
       <p:sp>
         <p:nvSpPr>
-          <p:cNvPr id="5" name="页脚占位符 4">
-            <a:extLst>
-              <a:ext uri="{FF2B5EF4-FFF2-40B4-BE49-F238E27FC236}">
-                <a16:creationId xmlns:a16="http://schemas.microsoft.com/office/drawing/2014/main" id="{F56028D6-F028-476F-B76F-F03F98C164D4}"/>
-              </a:ext>
-            </a:extLst>
-          </p:cNvPr>
+          <p:cNvPr id="5" name="页脚占位符 4"/>
           <p:cNvSpPr>
             <a:spLocks noGrp="1"/>
           </p:cNvSpPr>
@@ -923,13 +802,7 @@
       </p:sp>
       <p:sp>
         <p:nvSpPr>
-          <p:cNvPr id="6" name="灯片编号占位符 5">
-            <a:extLst>
-              <a:ext uri="{FF2B5EF4-FFF2-40B4-BE49-F238E27FC236}">
-                <a16:creationId xmlns:a16="http://schemas.microsoft.com/office/drawing/2014/main" id="{1850AAA1-3A3D-43CE-AA4C-60A0B35BFE25}"/>
-              </a:ext>
-            </a:extLst>
-          </p:cNvPr>
+          <p:cNvPr id="6" name="灯片编号占位符 5"/>
           <p:cNvSpPr>
             <a:spLocks noGrp="1"/>
           </p:cNvSpPr>
@@ -944,18 +817,12 @@
           <a:p>
             <a:fld id="{28563E2E-941F-4DA8-BCB0-049624E3C273}" type="slidenum">
               <a:rPr lang="zh-CN" altLang="en-US" smtClean="0"/>
-              <a:t>‹#›</a:t>
             </a:fld>
             <a:endParaRPr lang="zh-CN" altLang="en-US"/>
           </a:p>
         </p:txBody>
       </p:sp>
     </p:spTree>
-    <p:extLst>
-      <p:ext uri="{BB962C8B-B14F-4D97-AF65-F5344CB8AC3E}">
-        <p14:creationId xmlns:p14="http://schemas.microsoft.com/office/powerpoint/2010/main" val="1181388412"/>
-      </p:ext>
-    </p:extLst>
   </p:cSld>
   <p:clrMapOvr>
     <a:masterClrMapping/>
@@ -982,13 +849,7 @@
       </p:grpSpPr>
       <p:sp>
         <p:nvSpPr>
-          <p:cNvPr id="2" name="标题 1">
-            <a:extLst>
-              <a:ext uri="{FF2B5EF4-FFF2-40B4-BE49-F238E27FC236}">
-                <a16:creationId xmlns:a16="http://schemas.microsoft.com/office/drawing/2014/main" id="{48720EB0-5C2F-4674-8396-05E0778DFC23}"/>
-              </a:ext>
-            </a:extLst>
-          </p:cNvPr>
+          <p:cNvPr id="2" name="标题 1"/>
           <p:cNvSpPr>
             <a:spLocks noGrp="1"/>
           </p:cNvSpPr>
@@ -1014,18 +875,13 @@
               <a:rPr lang="zh-CN" altLang="en-US"/>
               <a:t>单击此处编辑母版标题样式</a:t>
             </a:r>
-          </a:p>
-        </p:txBody>
-      </p:sp>
-      <p:sp>
-        <p:nvSpPr>
-          <p:cNvPr id="3" name="文本占位符 2">
-            <a:extLst>
-              <a:ext uri="{FF2B5EF4-FFF2-40B4-BE49-F238E27FC236}">
-                <a16:creationId xmlns:a16="http://schemas.microsoft.com/office/drawing/2014/main" id="{0E7CA111-9A50-43FB-9D2C-671530AB88D8}"/>
-              </a:ext>
-            </a:extLst>
-          </p:cNvPr>
+            <a:endParaRPr lang="zh-CN" altLang="en-US"/>
+          </a:p>
+        </p:txBody>
+      </p:sp>
+      <p:sp>
+        <p:nvSpPr>
+          <p:cNvPr id="3" name="文本占位符 2"/>
           <p:cNvSpPr>
             <a:spLocks noGrp="1"/>
           </p:cNvSpPr>
@@ -1139,18 +995,13 @@
               <a:rPr lang="zh-CN" altLang="en-US"/>
               <a:t>单击此处编辑母版文本样式</a:t>
             </a:r>
-          </a:p>
-        </p:txBody>
-      </p:sp>
-      <p:sp>
-        <p:nvSpPr>
-          <p:cNvPr id="4" name="日期占位符 3">
-            <a:extLst>
-              <a:ext uri="{FF2B5EF4-FFF2-40B4-BE49-F238E27FC236}">
-                <a16:creationId xmlns:a16="http://schemas.microsoft.com/office/drawing/2014/main" id="{B0F69D08-40FB-49D1-A6A3-54E01BF7316A}"/>
-              </a:ext>
-            </a:extLst>
-          </p:cNvPr>
+            <a:endParaRPr lang="zh-CN" altLang="en-US"/>
+          </a:p>
+        </p:txBody>
+      </p:sp>
+      <p:sp>
+        <p:nvSpPr>
+          <p:cNvPr id="4" name="日期占位符 3"/>
           <p:cNvSpPr>
             <a:spLocks noGrp="1"/>
           </p:cNvSpPr>
@@ -1165,7 +1016,6 @@
           <a:p>
             <a:fld id="{5D25FC06-34A5-4451-A461-D446FFBE8562}" type="datetimeFigureOut">
               <a:rPr lang="zh-CN" altLang="en-US" smtClean="0"/>
-              <a:t>2020/11/29</a:t>
             </a:fld>
             <a:endParaRPr lang="zh-CN" altLang="en-US"/>
           </a:p>
@@ -1173,13 +1023,7 @@
       </p:sp>
       <p:sp>
         <p:nvSpPr>
-          <p:cNvPr id="5" name="页脚占位符 4">
-            <a:extLst>
-              <a:ext uri="{FF2B5EF4-FFF2-40B4-BE49-F238E27FC236}">
-                <a16:creationId xmlns:a16="http://schemas.microsoft.com/office/drawing/2014/main" id="{8CCFB609-D9D8-46F7-A0E7-59BE842EFC11}"/>
-              </a:ext>
-            </a:extLst>
-          </p:cNvPr>
+          <p:cNvPr id="5" name="页脚占位符 4"/>
           <p:cNvSpPr>
             <a:spLocks noGrp="1"/>
           </p:cNvSpPr>
@@ -1198,13 +1042,7 @@
       </p:sp>
       <p:sp>
         <p:nvSpPr>
-          <p:cNvPr id="6" name="灯片编号占位符 5">
-            <a:extLst>
-              <a:ext uri="{FF2B5EF4-FFF2-40B4-BE49-F238E27FC236}">
-                <a16:creationId xmlns:a16="http://schemas.microsoft.com/office/drawing/2014/main" id="{555A96CB-0167-4DA7-90CB-D6516E016D0F}"/>
-              </a:ext>
-            </a:extLst>
-          </p:cNvPr>
+          <p:cNvPr id="6" name="灯片编号占位符 5"/>
           <p:cNvSpPr>
             <a:spLocks noGrp="1"/>
           </p:cNvSpPr>
@@ -1219,18 +1057,12 @@
           <a:p>
             <a:fld id="{28563E2E-941F-4DA8-BCB0-049624E3C273}" type="slidenum">
               <a:rPr lang="zh-CN" altLang="en-US" smtClean="0"/>
-              <a:t>‹#›</a:t>
             </a:fld>
             <a:endParaRPr lang="zh-CN" altLang="en-US"/>
           </a:p>
         </p:txBody>
       </p:sp>
     </p:spTree>
-    <p:extLst>
-      <p:ext uri="{BB962C8B-B14F-4D97-AF65-F5344CB8AC3E}">
-        <p14:creationId xmlns:p14="http://schemas.microsoft.com/office/powerpoint/2010/main" val="2072857148"/>
-      </p:ext>
-    </p:extLst>
   </p:cSld>
   <p:clrMapOvr>
     <a:masterClrMapping/>
@@ -1257,13 +1089,7 @@
       </p:grpSpPr>
       <p:sp>
         <p:nvSpPr>
-          <p:cNvPr id="2" name="标题 1">
-            <a:extLst>
-              <a:ext uri="{FF2B5EF4-FFF2-40B4-BE49-F238E27FC236}">
-                <a16:creationId xmlns:a16="http://schemas.microsoft.com/office/drawing/2014/main" id="{1BFAD50B-6CAE-4DD9-882E-80BC48E81863}"/>
-              </a:ext>
-            </a:extLst>
-          </p:cNvPr>
+          <p:cNvPr id="2" name="标题 1"/>
           <p:cNvSpPr>
             <a:spLocks noGrp="1"/>
           </p:cNvSpPr>
@@ -1280,18 +1106,13 @@
               <a:rPr lang="zh-CN" altLang="en-US"/>
               <a:t>单击此处编辑母版标题样式</a:t>
             </a:r>
-          </a:p>
-        </p:txBody>
-      </p:sp>
-      <p:sp>
-        <p:nvSpPr>
-          <p:cNvPr id="3" name="内容占位符 2">
-            <a:extLst>
-              <a:ext uri="{FF2B5EF4-FFF2-40B4-BE49-F238E27FC236}">
-                <a16:creationId xmlns:a16="http://schemas.microsoft.com/office/drawing/2014/main" id="{5F9E4E65-A40A-4D28-A5CF-F7790E852021}"/>
-              </a:ext>
-            </a:extLst>
-          </p:cNvPr>
+            <a:endParaRPr lang="zh-CN" altLang="en-US"/>
+          </a:p>
+        </p:txBody>
+      </p:sp>
+      <p:sp>
+        <p:nvSpPr>
+          <p:cNvPr id="3" name="内容占位符 2"/>
           <p:cNvSpPr>
             <a:spLocks noGrp="1"/>
           </p:cNvSpPr>
@@ -1314,6 +1135,7 @@
               <a:rPr lang="zh-CN" altLang="en-US"/>
               <a:t>单击此处编辑母版文本样式</a:t>
             </a:r>
+            <a:endParaRPr lang="zh-CN" altLang="en-US"/>
           </a:p>
           <a:p>
             <a:pPr lvl="1"/>
@@ -1321,6 +1143,7 @@
               <a:rPr lang="zh-CN" altLang="en-US"/>
               <a:t>二级</a:t>
             </a:r>
+            <a:endParaRPr lang="zh-CN" altLang="en-US"/>
           </a:p>
           <a:p>
             <a:pPr lvl="2"/>
@@ -1328,6 +1151,7 @@
               <a:rPr lang="zh-CN" altLang="en-US"/>
               <a:t>三级</a:t>
             </a:r>
+            <a:endParaRPr lang="zh-CN" altLang="en-US"/>
           </a:p>
           <a:p>
             <a:pPr lvl="3"/>
@@ -1335,6 +1159,7 @@
               <a:rPr lang="zh-CN" altLang="en-US"/>
               <a:t>四级</a:t>
             </a:r>
+            <a:endParaRPr lang="zh-CN" altLang="en-US"/>
           </a:p>
           <a:p>
             <a:pPr lvl="4"/>
@@ -1342,18 +1167,13 @@
               <a:rPr lang="zh-CN" altLang="en-US"/>
               <a:t>五级</a:t>
             </a:r>
-          </a:p>
-        </p:txBody>
-      </p:sp>
-      <p:sp>
-        <p:nvSpPr>
-          <p:cNvPr id="4" name="内容占位符 3">
-            <a:extLst>
-              <a:ext uri="{FF2B5EF4-FFF2-40B4-BE49-F238E27FC236}">
-                <a16:creationId xmlns:a16="http://schemas.microsoft.com/office/drawing/2014/main" id="{08CE6466-5043-4CC3-B6ED-1D8E4BD45718}"/>
-              </a:ext>
-            </a:extLst>
-          </p:cNvPr>
+            <a:endParaRPr lang="zh-CN" altLang="en-US"/>
+          </a:p>
+        </p:txBody>
+      </p:sp>
+      <p:sp>
+        <p:nvSpPr>
+          <p:cNvPr id="4" name="内容占位符 3"/>
           <p:cNvSpPr>
             <a:spLocks noGrp="1"/>
           </p:cNvSpPr>
@@ -1376,6 +1196,7 @@
               <a:rPr lang="zh-CN" altLang="en-US"/>
               <a:t>单击此处编辑母版文本样式</a:t>
             </a:r>
+            <a:endParaRPr lang="zh-CN" altLang="en-US"/>
           </a:p>
           <a:p>
             <a:pPr lvl="1"/>
@@ -1383,6 +1204,7 @@
               <a:rPr lang="zh-CN" altLang="en-US"/>
               <a:t>二级</a:t>
             </a:r>
+            <a:endParaRPr lang="zh-CN" altLang="en-US"/>
           </a:p>
           <a:p>
             <a:pPr lvl="2"/>
@@ -1390,6 +1212,7 @@
               <a:rPr lang="zh-CN" altLang="en-US"/>
               <a:t>三级</a:t>
             </a:r>
+            <a:endParaRPr lang="zh-CN" altLang="en-US"/>
           </a:p>
           <a:p>
             <a:pPr lvl="3"/>
@@ -1397,6 +1220,7 @@
               <a:rPr lang="zh-CN" altLang="en-US"/>
               <a:t>四级</a:t>
             </a:r>
+            <a:endParaRPr lang="zh-CN" altLang="en-US"/>
           </a:p>
           <a:p>
             <a:pPr lvl="4"/>
@@ -1404,18 +1228,13 @@
               <a:rPr lang="zh-CN" altLang="en-US"/>
               <a:t>五级</a:t>
             </a:r>
-          </a:p>
-        </p:txBody>
-      </p:sp>
-      <p:sp>
-        <p:nvSpPr>
-          <p:cNvPr id="5" name="日期占位符 4">
-            <a:extLst>
-              <a:ext uri="{FF2B5EF4-FFF2-40B4-BE49-F238E27FC236}">
-                <a16:creationId xmlns:a16="http://schemas.microsoft.com/office/drawing/2014/main" id="{4C7EE93F-8B0B-4697-ADBE-9542666B670A}"/>
-              </a:ext>
-            </a:extLst>
-          </p:cNvPr>
+            <a:endParaRPr lang="zh-CN" altLang="en-US"/>
+          </a:p>
+        </p:txBody>
+      </p:sp>
+      <p:sp>
+        <p:nvSpPr>
+          <p:cNvPr id="5" name="日期占位符 4"/>
           <p:cNvSpPr>
             <a:spLocks noGrp="1"/>
           </p:cNvSpPr>
@@ -1430,7 +1249,6 @@
           <a:p>
             <a:fld id="{5D25FC06-34A5-4451-A461-D446FFBE8562}" type="datetimeFigureOut">
               <a:rPr lang="zh-CN" altLang="en-US" smtClean="0"/>
-              <a:t>2020/11/29</a:t>
             </a:fld>
             <a:endParaRPr lang="zh-CN" altLang="en-US"/>
           </a:p>
@@ -1438,13 +1256,7 @@
       </p:sp>
       <p:sp>
         <p:nvSpPr>
-          <p:cNvPr id="6" name="页脚占位符 5">
-            <a:extLst>
-              <a:ext uri="{FF2B5EF4-FFF2-40B4-BE49-F238E27FC236}">
-                <a16:creationId xmlns:a16="http://schemas.microsoft.com/office/drawing/2014/main" id="{C61878C4-3505-4B23-9E79-7C28FF27FA29}"/>
-              </a:ext>
-            </a:extLst>
-          </p:cNvPr>
+          <p:cNvPr id="6" name="页脚占位符 5"/>
           <p:cNvSpPr>
             <a:spLocks noGrp="1"/>
           </p:cNvSpPr>
@@ -1463,13 +1275,7 @@
       </p:sp>
       <p:sp>
         <p:nvSpPr>
-          <p:cNvPr id="7" name="灯片编号占位符 6">
-            <a:extLst>
-              <a:ext uri="{FF2B5EF4-FFF2-40B4-BE49-F238E27FC236}">
-                <a16:creationId xmlns:a16="http://schemas.microsoft.com/office/drawing/2014/main" id="{3318C28F-4FE5-443D-BF48-7D6C43F07E73}"/>
-              </a:ext>
-            </a:extLst>
-          </p:cNvPr>
+          <p:cNvPr id="7" name="灯片编号占位符 6"/>
           <p:cNvSpPr>
             <a:spLocks noGrp="1"/>
           </p:cNvSpPr>
@@ -1484,18 +1290,12 @@
           <a:p>
             <a:fld id="{28563E2E-941F-4DA8-BCB0-049624E3C273}" type="slidenum">
               <a:rPr lang="zh-CN" altLang="en-US" smtClean="0"/>
-              <a:t>‹#›</a:t>
             </a:fld>
             <a:endParaRPr lang="zh-CN" altLang="en-US"/>
           </a:p>
         </p:txBody>
       </p:sp>
     </p:spTree>
-    <p:extLst>
-      <p:ext uri="{BB962C8B-B14F-4D97-AF65-F5344CB8AC3E}">
-        <p14:creationId xmlns:p14="http://schemas.microsoft.com/office/powerpoint/2010/main" val="4013361133"/>
-      </p:ext>
-    </p:extLst>
   </p:cSld>
   <p:clrMapOvr>
     <a:masterClrMapping/>
@@ -1522,13 +1322,7 @@
       </p:grpSpPr>
       <p:sp>
         <p:nvSpPr>
-          <p:cNvPr id="2" name="标题 1">
-            <a:extLst>
-              <a:ext uri="{FF2B5EF4-FFF2-40B4-BE49-F238E27FC236}">
-                <a16:creationId xmlns:a16="http://schemas.microsoft.com/office/drawing/2014/main" id="{45860557-8C45-453D-BFBF-CA90D0623DB4}"/>
-              </a:ext>
-            </a:extLst>
-          </p:cNvPr>
+          <p:cNvPr id="2" name="标题 1"/>
           <p:cNvSpPr>
             <a:spLocks noGrp="1"/>
           </p:cNvSpPr>
@@ -1550,18 +1344,13 @@
               <a:rPr lang="zh-CN" altLang="en-US"/>
               <a:t>单击此处编辑母版标题样式</a:t>
             </a:r>
-          </a:p>
-        </p:txBody>
-      </p:sp>
-      <p:sp>
-        <p:nvSpPr>
-          <p:cNvPr id="3" name="文本占位符 2">
-            <a:extLst>
-              <a:ext uri="{FF2B5EF4-FFF2-40B4-BE49-F238E27FC236}">
-                <a16:creationId xmlns:a16="http://schemas.microsoft.com/office/drawing/2014/main" id="{5ADDBF0C-D55A-4C38-AAD0-4948F276E565}"/>
-              </a:ext>
-            </a:extLst>
-          </p:cNvPr>
+            <a:endParaRPr lang="zh-CN" altLang="en-US"/>
+          </a:p>
+        </p:txBody>
+      </p:sp>
+      <p:sp>
+        <p:nvSpPr>
+          <p:cNvPr id="3" name="文本占位符 2"/>
           <p:cNvSpPr>
             <a:spLocks noGrp="1"/>
           </p:cNvSpPr>
@@ -1621,18 +1410,13 @@
               <a:rPr lang="zh-CN" altLang="en-US"/>
               <a:t>单击此处编辑母版文本样式</a:t>
             </a:r>
-          </a:p>
-        </p:txBody>
-      </p:sp>
-      <p:sp>
-        <p:nvSpPr>
-          <p:cNvPr id="4" name="内容占位符 3">
-            <a:extLst>
-              <a:ext uri="{FF2B5EF4-FFF2-40B4-BE49-F238E27FC236}">
-                <a16:creationId xmlns:a16="http://schemas.microsoft.com/office/drawing/2014/main" id="{6CF14A47-070D-4D27-B378-65477A6641B1}"/>
-              </a:ext>
-            </a:extLst>
-          </p:cNvPr>
+            <a:endParaRPr lang="zh-CN" altLang="en-US"/>
+          </a:p>
+        </p:txBody>
+      </p:sp>
+      <p:sp>
+        <p:nvSpPr>
+          <p:cNvPr id="4" name="内容占位符 3"/>
           <p:cNvSpPr>
             <a:spLocks noGrp="1"/>
           </p:cNvSpPr>
@@ -1655,6 +1439,7 @@
               <a:rPr lang="zh-CN" altLang="en-US"/>
               <a:t>单击此处编辑母版文本样式</a:t>
             </a:r>
+            <a:endParaRPr lang="zh-CN" altLang="en-US"/>
           </a:p>
           <a:p>
             <a:pPr lvl="1"/>
@@ -1662,6 +1447,7 @@
               <a:rPr lang="zh-CN" altLang="en-US"/>
               <a:t>二级</a:t>
             </a:r>
+            <a:endParaRPr lang="zh-CN" altLang="en-US"/>
           </a:p>
           <a:p>
             <a:pPr lvl="2"/>
@@ -1669,6 +1455,7 @@
               <a:rPr lang="zh-CN" altLang="en-US"/>
               <a:t>三级</a:t>
             </a:r>
+            <a:endParaRPr lang="zh-CN" altLang="en-US"/>
           </a:p>
           <a:p>
             <a:pPr lvl="3"/>
@@ -1676,6 +1463,7 @@
               <a:rPr lang="zh-CN" altLang="en-US"/>
               <a:t>四级</a:t>
             </a:r>
+            <a:endParaRPr lang="zh-CN" altLang="en-US"/>
           </a:p>
           <a:p>
             <a:pPr lvl="4"/>
@@ -1683,18 +1471,13 @@
               <a:rPr lang="zh-CN" altLang="en-US"/>
               <a:t>五级</a:t>
             </a:r>
-          </a:p>
-        </p:txBody>
-      </p:sp>
-      <p:sp>
-        <p:nvSpPr>
-          <p:cNvPr id="5" name="文本占位符 4">
-            <a:extLst>
-              <a:ext uri="{FF2B5EF4-FFF2-40B4-BE49-F238E27FC236}">
-                <a16:creationId xmlns:a16="http://schemas.microsoft.com/office/drawing/2014/main" id="{E3FF5A38-8F97-4F12-95A4-417B1B3552AD}"/>
-              </a:ext>
-            </a:extLst>
-          </p:cNvPr>
+            <a:endParaRPr lang="zh-CN" altLang="en-US"/>
+          </a:p>
+        </p:txBody>
+      </p:sp>
+      <p:sp>
+        <p:nvSpPr>
+          <p:cNvPr id="5" name="文本占位符 4"/>
           <p:cNvSpPr>
             <a:spLocks noGrp="1"/>
           </p:cNvSpPr>
@@ -1754,18 +1537,13 @@
               <a:rPr lang="zh-CN" altLang="en-US"/>
               <a:t>单击此处编辑母版文本样式</a:t>
             </a:r>
-          </a:p>
-        </p:txBody>
-      </p:sp>
-      <p:sp>
-        <p:nvSpPr>
-          <p:cNvPr id="6" name="内容占位符 5">
-            <a:extLst>
-              <a:ext uri="{FF2B5EF4-FFF2-40B4-BE49-F238E27FC236}">
-                <a16:creationId xmlns:a16="http://schemas.microsoft.com/office/drawing/2014/main" id="{A6ABE225-22AF-4BAF-BE83-18C8722EA64F}"/>
-              </a:ext>
-            </a:extLst>
-          </p:cNvPr>
+            <a:endParaRPr lang="zh-CN" altLang="en-US"/>
+          </a:p>
+        </p:txBody>
+      </p:sp>
+      <p:sp>
+        <p:nvSpPr>
+          <p:cNvPr id="6" name="内容占位符 5"/>
           <p:cNvSpPr>
             <a:spLocks noGrp="1"/>
           </p:cNvSpPr>
@@ -1788,6 +1566,7 @@
               <a:rPr lang="zh-CN" altLang="en-US"/>
               <a:t>单击此处编辑母版文本样式</a:t>
             </a:r>
+            <a:endParaRPr lang="zh-CN" altLang="en-US"/>
           </a:p>
           <a:p>
             <a:pPr lvl="1"/>
@@ -1795,6 +1574,7 @@
               <a:rPr lang="zh-CN" altLang="en-US"/>
               <a:t>二级</a:t>
             </a:r>
+            <a:endParaRPr lang="zh-CN" altLang="en-US"/>
           </a:p>
           <a:p>
             <a:pPr lvl="2"/>
@@ -1802,6 +1582,7 @@
               <a:rPr lang="zh-CN" altLang="en-US"/>
               <a:t>三级</a:t>
             </a:r>
+            <a:endParaRPr lang="zh-CN" altLang="en-US"/>
           </a:p>
           <a:p>
             <a:pPr lvl="3"/>
@@ -1809,6 +1590,7 @@
               <a:rPr lang="zh-CN" altLang="en-US"/>
               <a:t>四级</a:t>
             </a:r>
+            <a:endParaRPr lang="zh-CN" altLang="en-US"/>
           </a:p>
           <a:p>
             <a:pPr lvl="4"/>
@@ -1816,18 +1598,13 @@
               <a:rPr lang="zh-CN" altLang="en-US"/>
               <a:t>五级</a:t>
             </a:r>
-          </a:p>
-        </p:txBody>
-      </p:sp>
-      <p:sp>
-        <p:nvSpPr>
-          <p:cNvPr id="7" name="日期占位符 6">
-            <a:extLst>
-              <a:ext uri="{FF2B5EF4-FFF2-40B4-BE49-F238E27FC236}">
-                <a16:creationId xmlns:a16="http://schemas.microsoft.com/office/drawing/2014/main" id="{837B2432-3EAE-401F-BE21-FE87577A247D}"/>
-              </a:ext>
-            </a:extLst>
-          </p:cNvPr>
+            <a:endParaRPr lang="zh-CN" altLang="en-US"/>
+          </a:p>
+        </p:txBody>
+      </p:sp>
+      <p:sp>
+        <p:nvSpPr>
+          <p:cNvPr id="7" name="日期占位符 6"/>
           <p:cNvSpPr>
             <a:spLocks noGrp="1"/>
           </p:cNvSpPr>
@@ -1842,7 +1619,6 @@
           <a:p>
             <a:fld id="{5D25FC06-34A5-4451-A461-D446FFBE8562}" type="datetimeFigureOut">
               <a:rPr lang="zh-CN" altLang="en-US" smtClean="0"/>
-              <a:t>2020/11/29</a:t>
             </a:fld>
             <a:endParaRPr lang="zh-CN" altLang="en-US"/>
           </a:p>
@@ -1850,13 +1626,7 @@
       </p:sp>
       <p:sp>
         <p:nvSpPr>
-          <p:cNvPr id="8" name="页脚占位符 7">
-            <a:extLst>
-              <a:ext uri="{FF2B5EF4-FFF2-40B4-BE49-F238E27FC236}">
-                <a16:creationId xmlns:a16="http://schemas.microsoft.com/office/drawing/2014/main" id="{A9917402-7D9D-4B11-9A35-C5B9FFF7587A}"/>
-              </a:ext>
-            </a:extLst>
-          </p:cNvPr>
+          <p:cNvPr id="8" name="页脚占位符 7"/>
           <p:cNvSpPr>
             <a:spLocks noGrp="1"/>
           </p:cNvSpPr>
@@ -1875,13 +1645,7 @@
       </p:sp>
       <p:sp>
         <p:nvSpPr>
-          <p:cNvPr id="9" name="灯片编号占位符 8">
-            <a:extLst>
-              <a:ext uri="{FF2B5EF4-FFF2-40B4-BE49-F238E27FC236}">
-                <a16:creationId xmlns:a16="http://schemas.microsoft.com/office/drawing/2014/main" id="{2427FA28-44D3-4BD0-8145-82F8DBF00A6E}"/>
-              </a:ext>
-            </a:extLst>
-          </p:cNvPr>
+          <p:cNvPr id="9" name="灯片编号占位符 8"/>
           <p:cNvSpPr>
             <a:spLocks noGrp="1"/>
           </p:cNvSpPr>
@@ -1896,18 +1660,12 @@
           <a:p>
             <a:fld id="{28563E2E-941F-4DA8-BCB0-049624E3C273}" type="slidenum">
               <a:rPr lang="zh-CN" altLang="en-US" smtClean="0"/>
-              <a:t>‹#›</a:t>
             </a:fld>
             <a:endParaRPr lang="zh-CN" altLang="en-US"/>
           </a:p>
         </p:txBody>
       </p:sp>
     </p:spTree>
-    <p:extLst>
-      <p:ext uri="{BB962C8B-B14F-4D97-AF65-F5344CB8AC3E}">
-        <p14:creationId xmlns:p14="http://schemas.microsoft.com/office/powerpoint/2010/main" val="1056380772"/>
-      </p:ext>
-    </p:extLst>
   </p:cSld>
   <p:clrMapOvr>
     <a:masterClrMapping/>
@@ -1934,13 +1692,7 @@
       </p:grpSpPr>
       <p:sp>
         <p:nvSpPr>
-          <p:cNvPr id="2" name="标题 1">
-            <a:extLst>
-              <a:ext uri="{FF2B5EF4-FFF2-40B4-BE49-F238E27FC236}">
-                <a16:creationId xmlns:a16="http://schemas.microsoft.com/office/drawing/2014/main" id="{44C78D93-C6AE-4215-8264-D97900C6B27D}"/>
-              </a:ext>
-            </a:extLst>
-          </p:cNvPr>
+          <p:cNvPr id="2" name="标题 1"/>
           <p:cNvSpPr>
             <a:spLocks noGrp="1"/>
           </p:cNvSpPr>
@@ -1957,18 +1709,13 @@
               <a:rPr lang="zh-CN" altLang="en-US"/>
               <a:t>单击此处编辑母版标题样式</a:t>
             </a:r>
-          </a:p>
-        </p:txBody>
-      </p:sp>
-      <p:sp>
-        <p:nvSpPr>
-          <p:cNvPr id="3" name="日期占位符 2">
-            <a:extLst>
-              <a:ext uri="{FF2B5EF4-FFF2-40B4-BE49-F238E27FC236}">
-                <a16:creationId xmlns:a16="http://schemas.microsoft.com/office/drawing/2014/main" id="{DECAC557-3A9B-4999-A9F6-04DE8FD471BD}"/>
-              </a:ext>
-            </a:extLst>
-          </p:cNvPr>
+            <a:endParaRPr lang="zh-CN" altLang="en-US"/>
+          </a:p>
+        </p:txBody>
+      </p:sp>
+      <p:sp>
+        <p:nvSpPr>
+          <p:cNvPr id="3" name="日期占位符 2"/>
           <p:cNvSpPr>
             <a:spLocks noGrp="1"/>
           </p:cNvSpPr>
@@ -1983,7 +1730,6 @@
           <a:p>
             <a:fld id="{5D25FC06-34A5-4451-A461-D446FFBE8562}" type="datetimeFigureOut">
               <a:rPr lang="zh-CN" altLang="en-US" smtClean="0"/>
-              <a:t>2020/11/29</a:t>
             </a:fld>
             <a:endParaRPr lang="zh-CN" altLang="en-US"/>
           </a:p>
@@ -1991,13 +1737,7 @@
       </p:sp>
       <p:sp>
         <p:nvSpPr>
-          <p:cNvPr id="4" name="页脚占位符 3">
-            <a:extLst>
-              <a:ext uri="{FF2B5EF4-FFF2-40B4-BE49-F238E27FC236}">
-                <a16:creationId xmlns:a16="http://schemas.microsoft.com/office/drawing/2014/main" id="{8C05FB31-E251-45CA-88FD-89E08534F88E}"/>
-              </a:ext>
-            </a:extLst>
-          </p:cNvPr>
+          <p:cNvPr id="4" name="页脚占位符 3"/>
           <p:cNvSpPr>
             <a:spLocks noGrp="1"/>
           </p:cNvSpPr>
@@ -2016,13 +1756,7 @@
       </p:sp>
       <p:sp>
         <p:nvSpPr>
-          <p:cNvPr id="5" name="灯片编号占位符 4">
-            <a:extLst>
-              <a:ext uri="{FF2B5EF4-FFF2-40B4-BE49-F238E27FC236}">
-                <a16:creationId xmlns:a16="http://schemas.microsoft.com/office/drawing/2014/main" id="{E9ED0E44-E4EC-428A-A118-DDF0227E8861}"/>
-              </a:ext>
-            </a:extLst>
-          </p:cNvPr>
+          <p:cNvPr id="5" name="灯片编号占位符 4"/>
           <p:cNvSpPr>
             <a:spLocks noGrp="1"/>
           </p:cNvSpPr>
@@ -2037,18 +1771,12 @@
           <a:p>
             <a:fld id="{28563E2E-941F-4DA8-BCB0-049624E3C273}" type="slidenum">
               <a:rPr lang="zh-CN" altLang="en-US" smtClean="0"/>
-              <a:t>‹#›</a:t>
             </a:fld>
             <a:endParaRPr lang="zh-CN" altLang="en-US"/>
           </a:p>
         </p:txBody>
       </p:sp>
     </p:spTree>
-    <p:extLst>
-      <p:ext uri="{BB962C8B-B14F-4D97-AF65-F5344CB8AC3E}">
-        <p14:creationId xmlns:p14="http://schemas.microsoft.com/office/powerpoint/2010/main" val="3453883665"/>
-      </p:ext>
-    </p:extLst>
   </p:cSld>
   <p:clrMapOvr>
     <a:masterClrMapping/>
@@ -2075,13 +1803,7 @@
       </p:grpSpPr>
       <p:sp>
         <p:nvSpPr>
-          <p:cNvPr id="2" name="日期占位符 1">
-            <a:extLst>
-              <a:ext uri="{FF2B5EF4-FFF2-40B4-BE49-F238E27FC236}">
-                <a16:creationId xmlns:a16="http://schemas.microsoft.com/office/drawing/2014/main" id="{F3219C83-D4AE-45CC-84D6-8F279536C3B8}"/>
-              </a:ext>
-            </a:extLst>
-          </p:cNvPr>
+          <p:cNvPr id="2" name="日期占位符 1"/>
           <p:cNvSpPr>
             <a:spLocks noGrp="1"/>
           </p:cNvSpPr>
@@ -2096,7 +1818,6 @@
           <a:p>
             <a:fld id="{5D25FC06-34A5-4451-A461-D446FFBE8562}" type="datetimeFigureOut">
               <a:rPr lang="zh-CN" altLang="en-US" smtClean="0"/>
-              <a:t>2020/11/29</a:t>
             </a:fld>
             <a:endParaRPr lang="zh-CN" altLang="en-US"/>
           </a:p>
@@ -2104,13 +1825,7 @@
       </p:sp>
       <p:sp>
         <p:nvSpPr>
-          <p:cNvPr id="3" name="页脚占位符 2">
-            <a:extLst>
-              <a:ext uri="{FF2B5EF4-FFF2-40B4-BE49-F238E27FC236}">
-                <a16:creationId xmlns:a16="http://schemas.microsoft.com/office/drawing/2014/main" id="{531EC23D-07D7-46A1-AAD6-6E34EA7301E5}"/>
-              </a:ext>
-            </a:extLst>
-          </p:cNvPr>
+          <p:cNvPr id="3" name="页脚占位符 2"/>
           <p:cNvSpPr>
             <a:spLocks noGrp="1"/>
           </p:cNvSpPr>
@@ -2129,13 +1844,7 @@
       </p:sp>
       <p:sp>
         <p:nvSpPr>
-          <p:cNvPr id="4" name="灯片编号占位符 3">
-            <a:extLst>
-              <a:ext uri="{FF2B5EF4-FFF2-40B4-BE49-F238E27FC236}">
-                <a16:creationId xmlns:a16="http://schemas.microsoft.com/office/drawing/2014/main" id="{592B46B1-84F7-42A9-9BA6-7A442D09A5F6}"/>
-              </a:ext>
-            </a:extLst>
-          </p:cNvPr>
+          <p:cNvPr id="4" name="灯片编号占位符 3"/>
           <p:cNvSpPr>
             <a:spLocks noGrp="1"/>
           </p:cNvSpPr>
@@ -2150,18 +1859,12 @@
           <a:p>
             <a:fld id="{28563E2E-941F-4DA8-BCB0-049624E3C273}" type="slidenum">
               <a:rPr lang="zh-CN" altLang="en-US" smtClean="0"/>
-              <a:t>‹#›</a:t>
             </a:fld>
             <a:endParaRPr lang="zh-CN" altLang="en-US"/>
           </a:p>
         </p:txBody>
       </p:sp>
     </p:spTree>
-    <p:extLst>
-      <p:ext uri="{BB962C8B-B14F-4D97-AF65-F5344CB8AC3E}">
-        <p14:creationId xmlns:p14="http://schemas.microsoft.com/office/powerpoint/2010/main" val="997693533"/>
-      </p:ext>
-    </p:extLst>
   </p:cSld>
   <p:clrMapOvr>
     <a:masterClrMapping/>
@@ -2188,13 +1891,7 @@
       </p:grpSpPr>
       <p:sp>
         <p:nvSpPr>
-          <p:cNvPr id="2" name="标题 1">
-            <a:extLst>
-              <a:ext uri="{FF2B5EF4-FFF2-40B4-BE49-F238E27FC236}">
-                <a16:creationId xmlns:a16="http://schemas.microsoft.com/office/drawing/2014/main" id="{6493C749-634B-4E57-A547-0764961EC54E}"/>
-              </a:ext>
-            </a:extLst>
-          </p:cNvPr>
+          <p:cNvPr id="2" name="标题 1"/>
           <p:cNvSpPr>
             <a:spLocks noGrp="1"/>
           </p:cNvSpPr>
@@ -2220,18 +1917,13 @@
               <a:rPr lang="zh-CN" altLang="en-US"/>
               <a:t>单击此处编辑母版标题样式</a:t>
             </a:r>
-          </a:p>
-        </p:txBody>
-      </p:sp>
-      <p:sp>
-        <p:nvSpPr>
-          <p:cNvPr id="3" name="内容占位符 2">
-            <a:extLst>
-              <a:ext uri="{FF2B5EF4-FFF2-40B4-BE49-F238E27FC236}">
-                <a16:creationId xmlns:a16="http://schemas.microsoft.com/office/drawing/2014/main" id="{02933111-295D-4004-B9E1-17F16E1C4C9B}"/>
-              </a:ext>
-            </a:extLst>
-          </p:cNvPr>
+            <a:endParaRPr lang="zh-CN" altLang="en-US"/>
+          </a:p>
+        </p:txBody>
+      </p:sp>
+      <p:sp>
+        <p:nvSpPr>
+          <p:cNvPr id="3" name="内容占位符 2"/>
           <p:cNvSpPr>
             <a:spLocks noGrp="1"/>
           </p:cNvSpPr>
@@ -2282,6 +1974,7 @@
               <a:rPr lang="zh-CN" altLang="en-US"/>
               <a:t>单击此处编辑母版文本样式</a:t>
             </a:r>
+            <a:endParaRPr lang="zh-CN" altLang="en-US"/>
           </a:p>
           <a:p>
             <a:pPr lvl="1"/>
@@ -2289,6 +1982,7 @@
               <a:rPr lang="zh-CN" altLang="en-US"/>
               <a:t>二级</a:t>
             </a:r>
+            <a:endParaRPr lang="zh-CN" altLang="en-US"/>
           </a:p>
           <a:p>
             <a:pPr lvl="2"/>
@@ -2296,6 +1990,7 @@
               <a:rPr lang="zh-CN" altLang="en-US"/>
               <a:t>三级</a:t>
             </a:r>
+            <a:endParaRPr lang="zh-CN" altLang="en-US"/>
           </a:p>
           <a:p>
             <a:pPr lvl="3"/>
@@ -2303,6 +1998,7 @@
               <a:rPr lang="zh-CN" altLang="en-US"/>
               <a:t>四级</a:t>
             </a:r>
+            <a:endParaRPr lang="zh-CN" altLang="en-US"/>
           </a:p>
           <a:p>
             <a:pPr lvl="4"/>
@@ -2310,18 +2006,13 @@
               <a:rPr lang="zh-CN" altLang="en-US"/>
               <a:t>五级</a:t>
             </a:r>
-          </a:p>
-        </p:txBody>
-      </p:sp>
-      <p:sp>
-        <p:nvSpPr>
-          <p:cNvPr id="4" name="文本占位符 3">
-            <a:extLst>
-              <a:ext uri="{FF2B5EF4-FFF2-40B4-BE49-F238E27FC236}">
-                <a16:creationId xmlns:a16="http://schemas.microsoft.com/office/drawing/2014/main" id="{C3936B94-8611-47F0-9DA9-3B7A108DA55F}"/>
-              </a:ext>
-            </a:extLst>
-          </p:cNvPr>
+            <a:endParaRPr lang="zh-CN" altLang="en-US"/>
+          </a:p>
+        </p:txBody>
+      </p:sp>
+      <p:sp>
+        <p:nvSpPr>
+          <p:cNvPr id="4" name="文本占位符 3"/>
           <p:cNvSpPr>
             <a:spLocks noGrp="1"/>
           </p:cNvSpPr>
@@ -2381,18 +2072,13 @@
               <a:rPr lang="zh-CN" altLang="en-US"/>
               <a:t>单击此处编辑母版文本样式</a:t>
             </a:r>
-          </a:p>
-        </p:txBody>
-      </p:sp>
-      <p:sp>
-        <p:nvSpPr>
-          <p:cNvPr id="5" name="日期占位符 4">
-            <a:extLst>
-              <a:ext uri="{FF2B5EF4-FFF2-40B4-BE49-F238E27FC236}">
-                <a16:creationId xmlns:a16="http://schemas.microsoft.com/office/drawing/2014/main" id="{E9224B6A-4D98-444E-985B-548E734FB99A}"/>
-              </a:ext>
-            </a:extLst>
-          </p:cNvPr>
+            <a:endParaRPr lang="zh-CN" altLang="en-US"/>
+          </a:p>
+        </p:txBody>
+      </p:sp>
+      <p:sp>
+        <p:nvSpPr>
+          <p:cNvPr id="5" name="日期占位符 4"/>
           <p:cNvSpPr>
             <a:spLocks noGrp="1"/>
           </p:cNvSpPr>
@@ -2407,7 +2093,6 @@
           <a:p>
             <a:fld id="{5D25FC06-34A5-4451-A461-D446FFBE8562}" type="datetimeFigureOut">
               <a:rPr lang="zh-CN" altLang="en-US" smtClean="0"/>
-              <a:t>2020/11/29</a:t>
             </a:fld>
             <a:endParaRPr lang="zh-CN" altLang="en-US"/>
           </a:p>
@@ -2415,13 +2100,7 @@
       </p:sp>
       <p:sp>
         <p:nvSpPr>
-          <p:cNvPr id="6" name="页脚占位符 5">
-            <a:extLst>
-              <a:ext uri="{FF2B5EF4-FFF2-40B4-BE49-F238E27FC236}">
-                <a16:creationId xmlns:a16="http://schemas.microsoft.com/office/drawing/2014/main" id="{E2725D7F-D640-4E28-8111-5D9E84BA21CB}"/>
-              </a:ext>
-            </a:extLst>
-          </p:cNvPr>
+          <p:cNvPr id="6" name="页脚占位符 5"/>
           <p:cNvSpPr>
             <a:spLocks noGrp="1"/>
           </p:cNvSpPr>
@@ -2440,13 +2119,7 @@
       </p:sp>
       <p:sp>
         <p:nvSpPr>
-          <p:cNvPr id="7" name="灯片编号占位符 6">
-            <a:extLst>
-              <a:ext uri="{FF2B5EF4-FFF2-40B4-BE49-F238E27FC236}">
-                <a16:creationId xmlns:a16="http://schemas.microsoft.com/office/drawing/2014/main" id="{272CB1FA-16D6-46F6-9AC1-BBDFBEF3B2EA}"/>
-              </a:ext>
-            </a:extLst>
-          </p:cNvPr>
+          <p:cNvPr id="7" name="灯片编号占位符 6"/>
           <p:cNvSpPr>
             <a:spLocks noGrp="1"/>
           </p:cNvSpPr>
@@ -2461,18 +2134,12 @@
           <a:p>
             <a:fld id="{28563E2E-941F-4DA8-BCB0-049624E3C273}" type="slidenum">
               <a:rPr lang="zh-CN" altLang="en-US" smtClean="0"/>
-              <a:t>‹#›</a:t>
             </a:fld>
             <a:endParaRPr lang="zh-CN" altLang="en-US"/>
           </a:p>
         </p:txBody>
       </p:sp>
     </p:spTree>
-    <p:extLst>
-      <p:ext uri="{BB962C8B-B14F-4D97-AF65-F5344CB8AC3E}">
-        <p14:creationId xmlns:p14="http://schemas.microsoft.com/office/powerpoint/2010/main" val="2199592272"/>
-      </p:ext>
-    </p:extLst>
   </p:cSld>
   <p:clrMapOvr>
     <a:masterClrMapping/>
@@ -2499,13 +2166,7 @@
       </p:grpSpPr>
       <p:sp>
         <p:nvSpPr>
-          <p:cNvPr id="2" name="标题 1">
-            <a:extLst>
-              <a:ext uri="{FF2B5EF4-FFF2-40B4-BE49-F238E27FC236}">
-                <a16:creationId xmlns:a16="http://schemas.microsoft.com/office/drawing/2014/main" id="{F970BB74-6B03-4FA4-991F-ED69A9D2B93C}"/>
-              </a:ext>
-            </a:extLst>
-          </p:cNvPr>
+          <p:cNvPr id="2" name="标题 1"/>
           <p:cNvSpPr>
             <a:spLocks noGrp="1"/>
           </p:cNvSpPr>
@@ -2531,18 +2192,13 @@
               <a:rPr lang="zh-CN" altLang="en-US"/>
               <a:t>单击此处编辑母版标题样式</a:t>
             </a:r>
-          </a:p>
-        </p:txBody>
-      </p:sp>
-      <p:sp>
-        <p:nvSpPr>
-          <p:cNvPr id="3" name="图片占位符 2">
-            <a:extLst>
-              <a:ext uri="{FF2B5EF4-FFF2-40B4-BE49-F238E27FC236}">
-                <a16:creationId xmlns:a16="http://schemas.microsoft.com/office/drawing/2014/main" id="{1D3B46F2-7F14-4434-B550-A119226DDE5C}"/>
-              </a:ext>
-            </a:extLst>
-          </p:cNvPr>
+            <a:endParaRPr lang="zh-CN" altLang="en-US"/>
+          </a:p>
+        </p:txBody>
+      </p:sp>
+      <p:sp>
+        <p:nvSpPr>
+          <p:cNvPr id="3" name="图片占位符 2"/>
           <p:cNvSpPr>
             <a:spLocks noGrp="1"/>
           </p:cNvSpPr>
@@ -2603,13 +2259,7 @@
       </p:sp>
       <p:sp>
         <p:nvSpPr>
-          <p:cNvPr id="4" name="文本占位符 3">
-            <a:extLst>
-              <a:ext uri="{FF2B5EF4-FFF2-40B4-BE49-F238E27FC236}">
-                <a16:creationId xmlns:a16="http://schemas.microsoft.com/office/drawing/2014/main" id="{20BC07C5-0008-4243-BB3F-FD1EE9338A2D}"/>
-              </a:ext>
-            </a:extLst>
-          </p:cNvPr>
+          <p:cNvPr id="4" name="文本占位符 3"/>
           <p:cNvSpPr>
             <a:spLocks noGrp="1"/>
           </p:cNvSpPr>
@@ -2669,18 +2319,13 @@
               <a:rPr lang="zh-CN" altLang="en-US"/>
               <a:t>单击此处编辑母版文本样式</a:t>
             </a:r>
-          </a:p>
-        </p:txBody>
-      </p:sp>
-      <p:sp>
-        <p:nvSpPr>
-          <p:cNvPr id="5" name="日期占位符 4">
-            <a:extLst>
-              <a:ext uri="{FF2B5EF4-FFF2-40B4-BE49-F238E27FC236}">
-                <a16:creationId xmlns:a16="http://schemas.microsoft.com/office/drawing/2014/main" id="{8EB1228E-A26C-4A4B-8E40-F361112F1D41}"/>
-              </a:ext>
-            </a:extLst>
-          </p:cNvPr>
+            <a:endParaRPr lang="zh-CN" altLang="en-US"/>
+          </a:p>
+        </p:txBody>
+      </p:sp>
+      <p:sp>
+        <p:nvSpPr>
+          <p:cNvPr id="5" name="日期占位符 4"/>
           <p:cNvSpPr>
             <a:spLocks noGrp="1"/>
           </p:cNvSpPr>
@@ -2695,7 +2340,6 @@
           <a:p>
             <a:fld id="{5D25FC06-34A5-4451-A461-D446FFBE8562}" type="datetimeFigureOut">
               <a:rPr lang="zh-CN" altLang="en-US" smtClean="0"/>
-              <a:t>2020/11/29</a:t>
             </a:fld>
             <a:endParaRPr lang="zh-CN" altLang="en-US"/>
           </a:p>
@@ -2703,13 +2347,7 @@
       </p:sp>
       <p:sp>
         <p:nvSpPr>
-          <p:cNvPr id="6" name="页脚占位符 5">
-            <a:extLst>
-              <a:ext uri="{FF2B5EF4-FFF2-40B4-BE49-F238E27FC236}">
-                <a16:creationId xmlns:a16="http://schemas.microsoft.com/office/drawing/2014/main" id="{FB287FB7-B826-4841-80F6-7C4392422E29}"/>
-              </a:ext>
-            </a:extLst>
-          </p:cNvPr>
+          <p:cNvPr id="6" name="页脚占位符 5"/>
           <p:cNvSpPr>
             <a:spLocks noGrp="1"/>
           </p:cNvSpPr>
@@ -2728,13 +2366,7 @@
       </p:sp>
       <p:sp>
         <p:nvSpPr>
-          <p:cNvPr id="7" name="灯片编号占位符 6">
-            <a:extLst>
-              <a:ext uri="{FF2B5EF4-FFF2-40B4-BE49-F238E27FC236}">
-                <a16:creationId xmlns:a16="http://schemas.microsoft.com/office/drawing/2014/main" id="{C874DFE4-F930-434A-B07F-8E83F506A552}"/>
-              </a:ext>
-            </a:extLst>
-          </p:cNvPr>
+          <p:cNvPr id="7" name="灯片编号占位符 6"/>
           <p:cNvSpPr>
             <a:spLocks noGrp="1"/>
           </p:cNvSpPr>
@@ -2749,18 +2381,12 @@
           <a:p>
             <a:fld id="{28563E2E-941F-4DA8-BCB0-049624E3C273}" type="slidenum">
               <a:rPr lang="zh-CN" altLang="en-US" smtClean="0"/>
-              <a:t>‹#›</a:t>
             </a:fld>
             <a:endParaRPr lang="zh-CN" altLang="en-US"/>
           </a:p>
         </p:txBody>
       </p:sp>
     </p:spTree>
-    <p:extLst>
-      <p:ext uri="{BB962C8B-B14F-4D97-AF65-F5344CB8AC3E}">
-        <p14:creationId xmlns:p14="http://schemas.microsoft.com/office/powerpoint/2010/main" val="2381190511"/>
-      </p:ext>
-    </p:extLst>
   </p:cSld>
   <p:clrMapOvr>
     <a:masterClrMapping/>
@@ -2792,13 +2418,7 @@
       </p:grpSpPr>
       <p:sp>
         <p:nvSpPr>
-          <p:cNvPr id="2" name="标题占位符 1">
-            <a:extLst>
-              <a:ext uri="{FF2B5EF4-FFF2-40B4-BE49-F238E27FC236}">
-                <a16:creationId xmlns:a16="http://schemas.microsoft.com/office/drawing/2014/main" id="{92BFC342-7119-4884-9087-865F550F47AE}"/>
-              </a:ext>
-            </a:extLst>
-          </p:cNvPr>
+          <p:cNvPr id="2" name="标题占位符 1"/>
           <p:cNvSpPr>
             <a:spLocks noGrp="1"/>
           </p:cNvSpPr>
@@ -2825,18 +2445,13 @@
               <a:rPr lang="zh-CN" altLang="en-US"/>
               <a:t>单击此处编辑母版标题样式</a:t>
             </a:r>
-          </a:p>
-        </p:txBody>
-      </p:sp>
-      <p:sp>
-        <p:nvSpPr>
-          <p:cNvPr id="3" name="文本占位符 2">
-            <a:extLst>
-              <a:ext uri="{FF2B5EF4-FFF2-40B4-BE49-F238E27FC236}">
-                <a16:creationId xmlns:a16="http://schemas.microsoft.com/office/drawing/2014/main" id="{8D09E834-74FE-4E28-A794-3C898F229920}"/>
-              </a:ext>
-            </a:extLst>
-          </p:cNvPr>
+            <a:endParaRPr lang="zh-CN" altLang="en-US"/>
+          </a:p>
+        </p:txBody>
+      </p:sp>
+      <p:sp>
+        <p:nvSpPr>
+          <p:cNvPr id="3" name="文本占位符 2"/>
           <p:cNvSpPr>
             <a:spLocks noGrp="1"/>
           </p:cNvSpPr>
@@ -2864,6 +2479,7 @@
               <a:rPr lang="zh-CN" altLang="en-US"/>
               <a:t>单击此处编辑母版文本样式</a:t>
             </a:r>
+            <a:endParaRPr lang="zh-CN" altLang="en-US"/>
           </a:p>
           <a:p>
             <a:pPr lvl="1"/>
@@ -2871,6 +2487,7 @@
               <a:rPr lang="zh-CN" altLang="en-US"/>
               <a:t>二级</a:t>
             </a:r>
+            <a:endParaRPr lang="zh-CN" altLang="en-US"/>
           </a:p>
           <a:p>
             <a:pPr lvl="2"/>
@@ -2878,6 +2495,7 @@
               <a:rPr lang="zh-CN" altLang="en-US"/>
               <a:t>三级</a:t>
             </a:r>
+            <a:endParaRPr lang="zh-CN" altLang="en-US"/>
           </a:p>
           <a:p>
             <a:pPr lvl="3"/>
@@ -2885,6 +2503,7 @@
               <a:rPr lang="zh-CN" altLang="en-US"/>
               <a:t>四级</a:t>
             </a:r>
+            <a:endParaRPr lang="zh-CN" altLang="en-US"/>
           </a:p>
           <a:p>
             <a:pPr lvl="4"/>
@@ -2892,18 +2511,13 @@
               <a:rPr lang="zh-CN" altLang="en-US"/>
               <a:t>五级</a:t>
             </a:r>
-          </a:p>
-        </p:txBody>
-      </p:sp>
-      <p:sp>
-        <p:nvSpPr>
-          <p:cNvPr id="4" name="日期占位符 3">
-            <a:extLst>
-              <a:ext uri="{FF2B5EF4-FFF2-40B4-BE49-F238E27FC236}">
-                <a16:creationId xmlns:a16="http://schemas.microsoft.com/office/drawing/2014/main" id="{9367C62B-51C8-4741-84C5-F5DB5FBB1E6C}"/>
-              </a:ext>
-            </a:extLst>
-          </p:cNvPr>
+            <a:endParaRPr lang="zh-CN" altLang="en-US"/>
+          </a:p>
+        </p:txBody>
+      </p:sp>
+      <p:sp>
+        <p:nvSpPr>
+          <p:cNvPr id="4" name="日期占位符 3"/>
           <p:cNvSpPr>
             <a:spLocks noGrp="1"/>
           </p:cNvSpPr>
@@ -2936,7 +2550,6 @@
           <a:p>
             <a:fld id="{5D25FC06-34A5-4451-A461-D446FFBE8562}" type="datetimeFigureOut">
               <a:rPr lang="zh-CN" altLang="en-US" smtClean="0"/>
-              <a:t>2020/11/29</a:t>
             </a:fld>
             <a:endParaRPr lang="zh-CN" altLang="en-US"/>
           </a:p>
@@ -2944,13 +2557,7 @@
       </p:sp>
       <p:sp>
         <p:nvSpPr>
-          <p:cNvPr id="5" name="页脚占位符 4">
-            <a:extLst>
-              <a:ext uri="{FF2B5EF4-FFF2-40B4-BE49-F238E27FC236}">
-                <a16:creationId xmlns:a16="http://schemas.microsoft.com/office/drawing/2014/main" id="{4011491A-B016-46C2-9AEF-4FE20238E55A}"/>
-              </a:ext>
-            </a:extLst>
-          </p:cNvPr>
+          <p:cNvPr id="5" name="页脚占位符 4"/>
           <p:cNvSpPr>
             <a:spLocks noGrp="1"/>
           </p:cNvSpPr>
@@ -2987,13 +2594,7 @@
       </p:sp>
       <p:sp>
         <p:nvSpPr>
-          <p:cNvPr id="6" name="灯片编号占位符 5">
-            <a:extLst>
-              <a:ext uri="{FF2B5EF4-FFF2-40B4-BE49-F238E27FC236}">
-                <a16:creationId xmlns:a16="http://schemas.microsoft.com/office/drawing/2014/main" id="{868F6690-7F87-4382-8F43-4ECBE2D26088}"/>
-              </a:ext>
-            </a:extLst>
-          </p:cNvPr>
+          <p:cNvPr id="6" name="灯片编号占位符 5"/>
           <p:cNvSpPr>
             <a:spLocks noGrp="1"/>
           </p:cNvSpPr>
@@ -3026,18 +2627,12 @@
           <a:p>
             <a:fld id="{28563E2E-941F-4DA8-BCB0-049624E3C273}" type="slidenum">
               <a:rPr lang="zh-CN" altLang="en-US" smtClean="0"/>
-              <a:t>‹#›</a:t>
             </a:fld>
             <a:endParaRPr lang="zh-CN" altLang="en-US"/>
           </a:p>
         </p:txBody>
       </p:sp>
     </p:spTree>
-    <p:extLst>
-      <p:ext uri="{BB962C8B-B14F-4D97-AF65-F5344CB8AC3E}">
-        <p14:creationId xmlns:p14="http://schemas.microsoft.com/office/powerpoint/2010/main" val="2046154577"/>
-      </p:ext>
-    </p:extLst>
   </p:cSld>
   <p:clrMap bg1="lt1" tx1="dk1" bg2="lt2" tx2="dk2" accent1="accent1" accent2="accent2" accent3="accent3" accent4="accent4" accent5="accent5" accent6="accent6" hlink="hlink" folHlink="folHlink"/>
   <p:sldLayoutIdLst>
@@ -3355,13 +2950,7 @@
       </p:grpSpPr>
       <p:sp>
         <p:nvSpPr>
-          <p:cNvPr id="2" name="标题 1">
-            <a:extLst>
-              <a:ext uri="{FF2B5EF4-FFF2-40B4-BE49-F238E27FC236}">
-                <a16:creationId xmlns:a16="http://schemas.microsoft.com/office/drawing/2014/main" id="{035C8629-70D4-412F-BA39-7F7D1BAF8268}"/>
-              </a:ext>
-            </a:extLst>
-          </p:cNvPr>
+          <p:cNvPr id="2" name="标题 1"/>
           <p:cNvSpPr>
             <a:spLocks noGrp="1"/>
           </p:cNvSpPr>
@@ -3384,13 +2973,7 @@
       </p:sp>
       <p:sp>
         <p:nvSpPr>
-          <p:cNvPr id="3" name="副标题 2">
-            <a:extLst>
-              <a:ext uri="{FF2B5EF4-FFF2-40B4-BE49-F238E27FC236}">
-                <a16:creationId xmlns:a16="http://schemas.microsoft.com/office/drawing/2014/main" id="{C880CCC8-23BE-4EF8-B263-554D7A11AE08}"/>
-              </a:ext>
-            </a:extLst>
-          </p:cNvPr>
+          <p:cNvPr id="3" name="副标题 2"/>
           <p:cNvSpPr>
             <a:spLocks noGrp="1"/>
           </p:cNvSpPr>
@@ -3408,11 +2991,6 @@
         </p:txBody>
       </p:sp>
     </p:spTree>
-    <p:extLst>
-      <p:ext uri="{BB962C8B-B14F-4D97-AF65-F5344CB8AC3E}">
-        <p14:creationId xmlns:p14="http://schemas.microsoft.com/office/powerpoint/2010/main" val="664804500"/>
-      </p:ext>
-    </p:extLst>
   </p:cSld>
   <p:clrMapOvr>
     <a:masterClrMapping/>
@@ -3439,13 +3017,7 @@
       </p:grpSpPr>
       <p:sp>
         <p:nvSpPr>
-          <p:cNvPr id="2" name="标题 1">
-            <a:extLst>
-              <a:ext uri="{FF2B5EF4-FFF2-40B4-BE49-F238E27FC236}">
-                <a16:creationId xmlns:a16="http://schemas.microsoft.com/office/drawing/2014/main" id="{AD43AACF-7D2B-4F2D-8D66-CC03A46914DF}"/>
-              </a:ext>
-            </a:extLst>
-          </p:cNvPr>
+          <p:cNvPr id="2" name="标题 1"/>
           <p:cNvSpPr>
             <a:spLocks noGrp="1"/>
           </p:cNvSpPr>
@@ -3473,13 +3045,7 @@
       </p:sp>
       <p:sp>
         <p:nvSpPr>
-          <p:cNvPr id="3" name="内容占位符 2">
-            <a:extLst>
-              <a:ext uri="{FF2B5EF4-FFF2-40B4-BE49-F238E27FC236}">
-                <a16:creationId xmlns:a16="http://schemas.microsoft.com/office/drawing/2014/main" id="{B919A54A-44C5-4C3F-BA33-966C66CC4164}"/>
-              </a:ext>
-            </a:extLst>
-          </p:cNvPr>
+          <p:cNvPr id="3" name="内容占位符 2"/>
           <p:cNvSpPr>
             <a:spLocks noGrp="1"/>
           </p:cNvSpPr>
@@ -3498,20 +3064,14 @@
       </p:sp>
       <p:pic>
         <p:nvPicPr>
-          <p:cNvPr id="6" name="图片 5">
-            <a:extLst>
-              <a:ext uri="{FF2B5EF4-FFF2-40B4-BE49-F238E27FC236}">
-                <a16:creationId xmlns:a16="http://schemas.microsoft.com/office/drawing/2014/main" id="{C699CA38-BC8E-4A24-B0B2-7C8214775FD6}"/>
-              </a:ext>
-            </a:extLst>
-          </p:cNvPr>
+          <p:cNvPr id="6" name="图片 5"/>
           <p:cNvPicPr>
             <a:picLocks noChangeAspect="1"/>
           </p:cNvPicPr>
           <p:nvPr/>
         </p:nvPicPr>
         <p:blipFill>
-          <a:blip r:embed="rId2"/>
+          <a:blip r:embed="rId1"/>
           <a:stretch>
             <a:fillRect/>
           </a:stretch>
@@ -3527,11 +3087,6 @@
         </p:spPr>
       </p:pic>
     </p:spTree>
-    <p:extLst>
-      <p:ext uri="{BB962C8B-B14F-4D97-AF65-F5344CB8AC3E}">
-        <p14:creationId xmlns:p14="http://schemas.microsoft.com/office/powerpoint/2010/main" val="3436434214"/>
-      </p:ext>
-    </p:extLst>
   </p:cSld>
   <p:clrMapOvr>
     <a:masterClrMapping/>
@@ -3558,13 +3113,7 @@
       </p:grpSpPr>
       <p:sp>
         <p:nvSpPr>
-          <p:cNvPr id="2" name="标题 1">
-            <a:extLst>
-              <a:ext uri="{FF2B5EF4-FFF2-40B4-BE49-F238E27FC236}">
-                <a16:creationId xmlns:a16="http://schemas.microsoft.com/office/drawing/2014/main" id="{B78C748F-79A0-4891-8D2A-DAB08BD00D9D}"/>
-              </a:ext>
-            </a:extLst>
-          </p:cNvPr>
+          <p:cNvPr id="2" name="标题 1"/>
           <p:cNvSpPr>
             <a:spLocks noGrp="1"/>
           </p:cNvSpPr>
@@ -3592,13 +3141,7 @@
       </p:sp>
       <p:sp>
         <p:nvSpPr>
-          <p:cNvPr id="3" name="内容占位符 2">
-            <a:extLst>
-              <a:ext uri="{FF2B5EF4-FFF2-40B4-BE49-F238E27FC236}">
-                <a16:creationId xmlns:a16="http://schemas.microsoft.com/office/drawing/2014/main" id="{3F54CE26-9881-4EF3-A9DF-66F3F20CC884}"/>
-              </a:ext>
-            </a:extLst>
-          </p:cNvPr>
+          <p:cNvPr id="3" name="内容占位符 2"/>
           <p:cNvSpPr>
             <a:spLocks noGrp="1"/>
           </p:cNvSpPr>
@@ -3617,13 +3160,7 @@
       </p:sp>
       <p:sp>
         <p:nvSpPr>
-          <p:cNvPr id="4" name="Rectangle 1">
-            <a:extLst>
-              <a:ext uri="{FF2B5EF4-FFF2-40B4-BE49-F238E27FC236}">
-                <a16:creationId xmlns:a16="http://schemas.microsoft.com/office/drawing/2014/main" id="{9E7C066E-5D1F-4314-AF07-DB6B2D7438B2}"/>
-              </a:ext>
-            </a:extLst>
-          </p:cNvPr>
+          <p:cNvPr id="4" name="Rectangle 1"/>
           <p:cNvSpPr>
             <a:spLocks noChangeArrowheads="1"/>
           </p:cNvSpPr>
@@ -3649,9 +3186,6 @@
         </p:spPr>
         <p:txBody>
           <a:bodyPr vert="horz" wrap="square" lIns="91440" tIns="45720" rIns="91440" bIns="45720" numCol="1" anchor="ctr" anchorCtr="0" compatLnSpc="1">
-            <a:prstTxWarp prst="textNoShape">
-              <a:avLst/>
-            </a:prstTxWarp>
             <a:spAutoFit/>
           </a:bodyPr>
           <a:lstStyle/>
@@ -3670,7 +3204,6 @@
               <a:buSzTx/>
               <a:buFontTx/>
               <a:buNone/>
-              <a:tabLst/>
             </a:pPr>
             <a:r>
               <a:rPr kumimoji="0" lang="zh-CN" altLang="zh-CN" sz="2800" b="0" i="0" u="none" strike="noStrike" cap="none" normalizeH="0" baseline="0" dirty="0">
@@ -3989,7 +3522,6 @@
               <a:buSzTx/>
               <a:buFontTx/>
               <a:buNone/>
-              <a:tabLst/>
             </a:pPr>
             <a:r>
               <a:rPr kumimoji="0" lang="zh-CN" altLang="zh-CN" sz="2800" b="0" i="0" u="none" strike="noStrike" cap="none" normalizeH="0" baseline="0" dirty="0">
@@ -4133,7 +3665,6 @@
               <a:buSzTx/>
               <a:buFontTx/>
               <a:buNone/>
-              <a:tabLst/>
             </a:pPr>
             <a:r>
               <a:rPr kumimoji="0" lang="zh-CN" altLang="zh-CN" sz="2800" b="0" i="0" u="none" strike="noStrike" cap="none" normalizeH="0" baseline="0" dirty="0">
@@ -4187,11 +3718,6 @@
         </p:txBody>
       </p:sp>
     </p:spTree>
-    <p:extLst>
-      <p:ext uri="{BB962C8B-B14F-4D97-AF65-F5344CB8AC3E}">
-        <p14:creationId xmlns:p14="http://schemas.microsoft.com/office/powerpoint/2010/main" val="1939665480"/>
-      </p:ext>
-    </p:extLst>
   </p:cSld>
   <p:clrMapOvr>
     <a:masterClrMapping/>
@@ -4218,13 +3744,7 @@
       </p:grpSpPr>
       <p:sp>
         <p:nvSpPr>
-          <p:cNvPr id="2" name="标题 1">
-            <a:extLst>
-              <a:ext uri="{FF2B5EF4-FFF2-40B4-BE49-F238E27FC236}">
-                <a16:creationId xmlns:a16="http://schemas.microsoft.com/office/drawing/2014/main" id="{B78C748F-79A0-4891-8D2A-DAB08BD00D9D}"/>
-              </a:ext>
-            </a:extLst>
-          </p:cNvPr>
+          <p:cNvPr id="2" name="标题 1"/>
           <p:cNvSpPr>
             <a:spLocks noGrp="1"/>
           </p:cNvSpPr>
@@ -4252,13 +3772,7 @@
       </p:sp>
       <p:sp>
         <p:nvSpPr>
-          <p:cNvPr id="3" name="内容占位符 2">
-            <a:extLst>
-              <a:ext uri="{FF2B5EF4-FFF2-40B4-BE49-F238E27FC236}">
-                <a16:creationId xmlns:a16="http://schemas.microsoft.com/office/drawing/2014/main" id="{3F54CE26-9881-4EF3-A9DF-66F3F20CC884}"/>
-              </a:ext>
-            </a:extLst>
-          </p:cNvPr>
+          <p:cNvPr id="3" name="内容占位符 2"/>
           <p:cNvSpPr>
             <a:spLocks noGrp="1"/>
           </p:cNvSpPr>
@@ -4277,28 +3791,22 @@
       </p:sp>
       <p:pic>
         <p:nvPicPr>
-          <p:cNvPr id="6" name="图片 5">
-            <a:extLst>
-              <a:ext uri="{FF2B5EF4-FFF2-40B4-BE49-F238E27FC236}">
-                <a16:creationId xmlns:a16="http://schemas.microsoft.com/office/drawing/2014/main" id="{437E630A-53D2-4B4B-9496-32F2C10BAF9A}"/>
-              </a:ext>
-            </a:extLst>
-          </p:cNvPr>
+          <p:cNvPr id="6" name="图片 5"/>
           <p:cNvPicPr>
             <a:picLocks noChangeAspect="1"/>
           </p:cNvPicPr>
           <p:nvPr/>
         </p:nvPicPr>
         <p:blipFill>
-          <a:blip r:embed="rId2"/>
+          <a:blip r:embed="rId1"/>
           <a:stretch>
             <a:fillRect/>
           </a:stretch>
         </p:blipFill>
         <p:spPr>
           <a:xfrm>
-            <a:off x="3099977" y="1164354"/>
-            <a:ext cx="6372496" cy="5012609"/>
+            <a:off x="2719070" y="1096010"/>
+            <a:ext cx="6753860" cy="5313045"/>
           </a:xfrm>
           <a:prstGeom prst="rect">
             <a:avLst/>
@@ -4306,11 +3814,6 @@
         </p:spPr>
       </p:pic>
     </p:spTree>
-    <p:extLst>
-      <p:ext uri="{BB962C8B-B14F-4D97-AF65-F5344CB8AC3E}">
-        <p14:creationId xmlns:p14="http://schemas.microsoft.com/office/powerpoint/2010/main" val="3749628590"/>
-      </p:ext>
-    </p:extLst>
   </p:cSld>
   <p:clrMapOvr>
     <a:masterClrMapping/>
@@ -4337,13 +3840,7 @@
       </p:grpSpPr>
       <p:sp>
         <p:nvSpPr>
-          <p:cNvPr id="2" name="标题 1">
-            <a:extLst>
-              <a:ext uri="{FF2B5EF4-FFF2-40B4-BE49-F238E27FC236}">
-                <a16:creationId xmlns:a16="http://schemas.microsoft.com/office/drawing/2014/main" id="{ADCAB5DE-A5C4-4BC8-AF9A-0A7D4896FE90}"/>
-              </a:ext>
-            </a:extLst>
-          </p:cNvPr>
+          <p:cNvPr id="2" name="标题 1"/>
           <p:cNvSpPr>
             <a:spLocks noGrp="1"/>
           </p:cNvSpPr>
@@ -4371,13 +3868,7 @@
       </p:sp>
       <p:sp>
         <p:nvSpPr>
-          <p:cNvPr id="4" name="Rectangle 1">
-            <a:extLst>
-              <a:ext uri="{FF2B5EF4-FFF2-40B4-BE49-F238E27FC236}">
-                <a16:creationId xmlns:a16="http://schemas.microsoft.com/office/drawing/2014/main" id="{ED3AFA27-B50E-4701-84A1-AA1533EF4818}"/>
-              </a:ext>
-            </a:extLst>
-          </p:cNvPr>
+          <p:cNvPr id="4" name="Rectangle 1"/>
           <p:cNvSpPr>
             <a:spLocks noChangeArrowheads="1"/>
           </p:cNvSpPr>
@@ -4403,9 +3894,6 @@
         </p:spPr>
         <p:txBody>
           <a:bodyPr vert="horz" wrap="square" lIns="91440" tIns="45720" rIns="91440" bIns="45720" numCol="1" anchor="ctr" anchorCtr="0" compatLnSpc="1">
-            <a:prstTxWarp prst="textNoShape">
-              <a:avLst/>
-            </a:prstTxWarp>
             <a:spAutoFit/>
           </a:bodyPr>
           <a:lstStyle/>
@@ -4424,7 +3912,6 @@
               <a:buSzTx/>
               <a:buFontTx/>
               <a:buNone/>
-              <a:tabLst/>
             </a:pPr>
             <a:r>
               <a:rPr kumimoji="0" lang="zh-CN" altLang="zh-CN" sz="2800" b="0" i="0" u="none" strike="noStrike" cap="none" normalizeH="0" baseline="0" dirty="0">
@@ -4480,22 +3967,18 @@
       </p:sp>
       <p:pic>
         <p:nvPicPr>
-          <p:cNvPr id="7" name="图片 6">
-            <a:extLst>
-              <a:ext uri="{FF2B5EF4-FFF2-40B4-BE49-F238E27FC236}">
-                <a16:creationId xmlns:a16="http://schemas.microsoft.com/office/drawing/2014/main" id="{9439C46D-BAB0-4642-85F6-20D682921EAB}"/>
-              </a:ext>
-            </a:extLst>
-          </p:cNvPr>
+          <p:cNvPr id="7" name="图片 6"/>
           <p:cNvPicPr>
             <a:picLocks noChangeAspect="1"/>
           </p:cNvPicPr>
           <p:nvPr/>
         </p:nvPicPr>
         <p:blipFill rotWithShape="1">
-          <a:blip r:embed="rId2"/>
+          <a:blip r:embed="rId1"/>
           <a:srcRect b="11745"/>
-          <a:stretch/>
+          <a:stretch>
+            <a:fillRect/>
+          </a:stretch>
         </p:blipFill>
         <p:spPr>
           <a:xfrm>
@@ -4508,11 +3991,6 @@
         </p:spPr>
       </p:pic>
     </p:spTree>
-    <p:extLst>
-      <p:ext uri="{BB962C8B-B14F-4D97-AF65-F5344CB8AC3E}">
-        <p14:creationId xmlns:p14="http://schemas.microsoft.com/office/powerpoint/2010/main" val="2939989453"/>
-      </p:ext>
-    </p:extLst>
   </p:cSld>
   <p:clrMapOvr>
     <a:masterClrMapping/>
@@ -4539,13 +4017,7 @@
       </p:grpSpPr>
       <p:sp>
         <p:nvSpPr>
-          <p:cNvPr id="2" name="标题 1">
-            <a:extLst>
-              <a:ext uri="{FF2B5EF4-FFF2-40B4-BE49-F238E27FC236}">
-                <a16:creationId xmlns:a16="http://schemas.microsoft.com/office/drawing/2014/main" id="{ADCAB5DE-A5C4-4BC8-AF9A-0A7D4896FE90}"/>
-              </a:ext>
-            </a:extLst>
-          </p:cNvPr>
+          <p:cNvPr id="2" name="标题 1"/>
           <p:cNvSpPr>
             <a:spLocks noGrp="1"/>
           </p:cNvSpPr>
@@ -4573,13 +4045,7 @@
       </p:sp>
       <p:sp>
         <p:nvSpPr>
-          <p:cNvPr id="8" name="Rectangle 1">
-            <a:extLst>
-              <a:ext uri="{FF2B5EF4-FFF2-40B4-BE49-F238E27FC236}">
-                <a16:creationId xmlns:a16="http://schemas.microsoft.com/office/drawing/2014/main" id="{C757CE71-09E4-43FD-89C4-1F31D1ED4712}"/>
-              </a:ext>
-            </a:extLst>
-          </p:cNvPr>
+          <p:cNvPr id="8" name="Rectangle 1"/>
           <p:cNvSpPr>
             <a:spLocks noChangeArrowheads="1"/>
           </p:cNvSpPr>
@@ -4605,9 +4071,6 @@
         </p:spPr>
         <p:txBody>
           <a:bodyPr vert="horz" wrap="square" lIns="91440" tIns="45720" rIns="91440" bIns="45720" numCol="1" anchor="ctr" anchorCtr="0" compatLnSpc="1">
-            <a:prstTxWarp prst="textNoShape">
-              <a:avLst/>
-            </a:prstTxWarp>
             <a:spAutoFit/>
           </a:bodyPr>
           <a:lstStyle/>
@@ -4626,7 +4089,6 @@
               <a:buSzTx/>
               <a:buFontTx/>
               <a:buNone/>
-              <a:tabLst/>
             </a:pPr>
             <a:r>
               <a:rPr kumimoji="0" lang="zh-CN" altLang="zh-CN" sz="3200" b="0" i="0" u="none" strike="noStrike" cap="none" normalizeH="0" baseline="0" dirty="0">
@@ -4678,20 +4140,14 @@
       </p:sp>
       <p:pic>
         <p:nvPicPr>
-          <p:cNvPr id="10" name="图片 9">
-            <a:extLst>
-              <a:ext uri="{FF2B5EF4-FFF2-40B4-BE49-F238E27FC236}">
-                <a16:creationId xmlns:a16="http://schemas.microsoft.com/office/drawing/2014/main" id="{CF193A54-014C-4F28-BF7F-6CF1793696A9}"/>
-              </a:ext>
-            </a:extLst>
-          </p:cNvPr>
+          <p:cNvPr id="10" name="图片 9"/>
           <p:cNvPicPr>
             <a:picLocks noChangeAspect="1"/>
           </p:cNvPicPr>
           <p:nvPr/>
         </p:nvPicPr>
         <p:blipFill>
-          <a:blip r:embed="rId2"/>
+          <a:blip r:embed="rId1"/>
           <a:stretch>
             <a:fillRect/>
           </a:stretch>
@@ -4707,11 +4163,6 @@
         </p:spPr>
       </p:pic>
     </p:spTree>
-    <p:extLst>
-      <p:ext uri="{BB962C8B-B14F-4D97-AF65-F5344CB8AC3E}">
-        <p14:creationId xmlns:p14="http://schemas.microsoft.com/office/powerpoint/2010/main" val="4105903467"/>
-      </p:ext>
-    </p:extLst>
   </p:cSld>
   <p:clrMapOvr>
     <a:masterClrMapping/>
@@ -4738,13 +4189,7 @@
       </p:grpSpPr>
       <p:sp>
         <p:nvSpPr>
-          <p:cNvPr id="2" name="标题 1">
-            <a:extLst>
-              <a:ext uri="{FF2B5EF4-FFF2-40B4-BE49-F238E27FC236}">
-                <a16:creationId xmlns:a16="http://schemas.microsoft.com/office/drawing/2014/main" id="{000AE091-673D-4EFD-A156-ED3CFBA62F14}"/>
-              </a:ext>
-            </a:extLst>
-          </p:cNvPr>
+          <p:cNvPr id="2" name="标题 1"/>
           <p:cNvSpPr>
             <a:spLocks noGrp="1"/>
           </p:cNvSpPr>
@@ -4772,13 +4217,7 @@
       </p:sp>
       <p:sp>
         <p:nvSpPr>
-          <p:cNvPr id="4" name="Rectangle 1">
-            <a:extLst>
-              <a:ext uri="{FF2B5EF4-FFF2-40B4-BE49-F238E27FC236}">
-                <a16:creationId xmlns:a16="http://schemas.microsoft.com/office/drawing/2014/main" id="{F7C1CCD8-61F7-442B-86E1-124DA30F064D}"/>
-              </a:ext>
-            </a:extLst>
-          </p:cNvPr>
+          <p:cNvPr id="4" name="Rectangle 1"/>
           <p:cNvSpPr>
             <a:spLocks noChangeArrowheads="1"/>
           </p:cNvSpPr>
@@ -4804,9 +4243,6 @@
         </p:spPr>
         <p:txBody>
           <a:bodyPr vert="horz" wrap="square" lIns="91440" tIns="45720" rIns="91440" bIns="45720" numCol="1" anchor="ctr" anchorCtr="0" compatLnSpc="1">
-            <a:prstTxWarp prst="textNoShape">
-              <a:avLst/>
-            </a:prstTxWarp>
             <a:spAutoFit/>
           </a:bodyPr>
           <a:lstStyle/>
@@ -4825,7 +4261,6 @@
               <a:buSzTx/>
               <a:buFontTx/>
               <a:buNone/>
-              <a:tabLst/>
             </a:pPr>
             <a:r>
               <a:rPr kumimoji="0" lang="zh-CN" altLang="zh-CN" sz="3200" b="0" i="0" u="none" strike="noStrike" cap="none" normalizeH="0" baseline="0" dirty="0">
@@ -4881,20 +4316,14 @@
       </p:sp>
       <p:pic>
         <p:nvPicPr>
-          <p:cNvPr id="6" name="图片 5">
-            <a:extLst>
-              <a:ext uri="{FF2B5EF4-FFF2-40B4-BE49-F238E27FC236}">
-                <a16:creationId xmlns:a16="http://schemas.microsoft.com/office/drawing/2014/main" id="{7069A0DD-9DC6-46A9-82CC-AECFFBFE55A9}"/>
-              </a:ext>
-            </a:extLst>
-          </p:cNvPr>
+          <p:cNvPr id="6" name="图片 5"/>
           <p:cNvPicPr>
             <a:picLocks noChangeAspect="1"/>
           </p:cNvPicPr>
           <p:nvPr/>
         </p:nvPicPr>
         <p:blipFill>
-          <a:blip r:embed="rId2"/>
+          <a:blip r:embed="rId1"/>
           <a:stretch>
             <a:fillRect/>
           </a:stretch>
@@ -4910,11 +4339,6 @@
         </p:spPr>
       </p:pic>
     </p:spTree>
-    <p:extLst>
-      <p:ext uri="{BB962C8B-B14F-4D97-AF65-F5344CB8AC3E}">
-        <p14:creationId xmlns:p14="http://schemas.microsoft.com/office/powerpoint/2010/main" val="161362762"/>
-      </p:ext>
-    </p:extLst>
   </p:cSld>
   <p:clrMapOvr>
     <a:masterClrMapping/>
@@ -4941,13 +4365,7 @@
       </p:grpSpPr>
       <p:sp>
         <p:nvSpPr>
-          <p:cNvPr id="2" name="标题 1">
-            <a:extLst>
-              <a:ext uri="{FF2B5EF4-FFF2-40B4-BE49-F238E27FC236}">
-                <a16:creationId xmlns:a16="http://schemas.microsoft.com/office/drawing/2014/main" id="{B8CA1AAC-E966-4086-AF21-245C70577E53}"/>
-              </a:ext>
-            </a:extLst>
-          </p:cNvPr>
+          <p:cNvPr id="2" name="标题 1"/>
           <p:cNvSpPr>
             <a:spLocks noGrp="1"/>
           </p:cNvSpPr>
@@ -4996,13 +4414,7 @@
       </p:sp>
       <p:sp>
         <p:nvSpPr>
-          <p:cNvPr id="3" name="内容占位符 2">
-            <a:extLst>
-              <a:ext uri="{FF2B5EF4-FFF2-40B4-BE49-F238E27FC236}">
-                <a16:creationId xmlns:a16="http://schemas.microsoft.com/office/drawing/2014/main" id="{C63AC4E4-D248-48BD-97CB-CC745A795A00}"/>
-              </a:ext>
-            </a:extLst>
-          </p:cNvPr>
+          <p:cNvPr id="3" name="内容占位符 2"/>
           <p:cNvSpPr>
             <a:spLocks noGrp="1"/>
           </p:cNvSpPr>
@@ -5024,11 +4436,6 @@
         </p:txBody>
       </p:sp>
     </p:spTree>
-    <p:extLst>
-      <p:ext uri="{BB962C8B-B14F-4D97-AF65-F5344CB8AC3E}">
-        <p14:creationId xmlns:p14="http://schemas.microsoft.com/office/powerpoint/2010/main" val="3407937548"/>
-      </p:ext>
-    </p:extLst>
   </p:cSld>
   <p:clrMapOvr>
     <a:masterClrMapping/>
@@ -5055,13 +4462,7 @@
       </p:grpSpPr>
       <p:sp>
         <p:nvSpPr>
-          <p:cNvPr id="2" name="标题 1">
-            <a:extLst>
-              <a:ext uri="{FF2B5EF4-FFF2-40B4-BE49-F238E27FC236}">
-                <a16:creationId xmlns:a16="http://schemas.microsoft.com/office/drawing/2014/main" id="{F5DC4954-E1DF-43A2-9906-517D5F5E0540}"/>
-              </a:ext>
-            </a:extLst>
-          </p:cNvPr>
+          <p:cNvPr id="2" name="标题 1"/>
           <p:cNvSpPr>
             <a:spLocks noGrp="1"/>
           </p:cNvSpPr>
@@ -5091,13 +4492,7 @@
       </p:sp>
       <p:pic>
         <p:nvPicPr>
-          <p:cNvPr id="5" name="内容占位符 4">
-            <a:extLst>
-              <a:ext uri="{FF2B5EF4-FFF2-40B4-BE49-F238E27FC236}">
-                <a16:creationId xmlns:a16="http://schemas.microsoft.com/office/drawing/2014/main" id="{FE9C0D7F-1417-4797-9D0E-3EB279EC35BF}"/>
-              </a:ext>
-            </a:extLst>
-          </p:cNvPr>
+          <p:cNvPr id="5" name="内容占位符 4"/>
           <p:cNvPicPr>
             <a:picLocks noGrp="1" noChangeAspect="1"/>
           </p:cNvPicPr>
@@ -5106,7 +4501,7 @@
           </p:nvPr>
         </p:nvPicPr>
         <p:blipFill>
-          <a:blip r:embed="rId2">
+          <a:blip r:embed="rId1">
             <a:extLst>
               <a:ext uri="{28A0092B-C50C-407E-A947-70E740481C1C}">
                 <a14:useLocalDpi xmlns:a14="http://schemas.microsoft.com/office/drawing/2010/main" val="0"/>
@@ -5130,11 +4525,6 @@
         </p:spPr>
       </p:pic>
     </p:spTree>
-    <p:extLst>
-      <p:ext uri="{BB962C8B-B14F-4D97-AF65-F5344CB8AC3E}">
-        <p14:creationId xmlns:p14="http://schemas.microsoft.com/office/powerpoint/2010/main" val="3481766752"/>
-      </p:ext>
-    </p:extLst>
   </p:cSld>
   <p:clrMapOvr>
     <a:masterClrMapping/>
@@ -5161,13 +4551,7 @@
       </p:grpSpPr>
       <p:sp>
         <p:nvSpPr>
-          <p:cNvPr id="2" name="标题 1">
-            <a:extLst>
-              <a:ext uri="{FF2B5EF4-FFF2-40B4-BE49-F238E27FC236}">
-                <a16:creationId xmlns:a16="http://schemas.microsoft.com/office/drawing/2014/main" id="{F5DC4954-E1DF-43A2-9906-517D5F5E0540}"/>
-              </a:ext>
-            </a:extLst>
-          </p:cNvPr>
+          <p:cNvPr id="2" name="标题 1"/>
           <p:cNvSpPr>
             <a:spLocks noGrp="1"/>
           </p:cNvSpPr>
@@ -5199,13 +4583,7 @@
       </p:sp>
       <p:sp>
         <p:nvSpPr>
-          <p:cNvPr id="3" name="内容占位符 2">
-            <a:extLst>
-              <a:ext uri="{FF2B5EF4-FFF2-40B4-BE49-F238E27FC236}">
-                <a16:creationId xmlns:a16="http://schemas.microsoft.com/office/drawing/2014/main" id="{8DE84315-B16F-41D8-BA7C-7A93F174D74B}"/>
-              </a:ext>
-            </a:extLst>
-          </p:cNvPr>
+          <p:cNvPr id="3" name="内容占位符 2"/>
           <p:cNvSpPr>
             <a:spLocks noGrp="1"/>
           </p:cNvSpPr>
@@ -5241,6 +4619,7 @@
               <a:rPr lang="en-US" altLang="zh-CN" sz="3600" dirty="0"/>
               <a:t> that displays items in an adapter which comes from an array-based data source. </a:t>
             </a:r>
+            <a:endParaRPr lang="en-US" altLang="zh-CN" sz="3600" dirty="0"/>
           </a:p>
           <a:p>
             <a:r>
@@ -5255,6 +4634,7 @@
               <a:rPr lang="en-US" altLang="zh-CN" sz="3600" dirty="0"/>
               <a:t>:</a:t>
             </a:r>
+            <a:endParaRPr lang="en-US" altLang="zh-CN" sz="3600" dirty="0"/>
           </a:p>
           <a:p>
             <a:pPr lvl="1"/>
@@ -5262,6 +4642,7 @@
               <a:rPr lang="en-US" altLang="zh-CN" sz="3200" dirty="0"/>
               <a:t>Spinner</a:t>
             </a:r>
+            <a:endParaRPr lang="en-US" altLang="zh-CN" sz="3200" dirty="0"/>
           </a:p>
           <a:p>
             <a:pPr lvl="1"/>
@@ -5290,11 +4671,6 @@
         </p:txBody>
       </p:sp>
     </p:spTree>
-    <p:extLst>
-      <p:ext uri="{BB962C8B-B14F-4D97-AF65-F5344CB8AC3E}">
-        <p14:creationId xmlns:p14="http://schemas.microsoft.com/office/powerpoint/2010/main" val="950684440"/>
-      </p:ext>
-    </p:extLst>
   </p:cSld>
   <p:clrMapOvr>
     <a:masterClrMapping/>
@@ -5321,13 +4697,7 @@
       </p:grpSpPr>
       <p:sp>
         <p:nvSpPr>
-          <p:cNvPr id="2" name="标题 1">
-            <a:extLst>
-              <a:ext uri="{FF2B5EF4-FFF2-40B4-BE49-F238E27FC236}">
-                <a16:creationId xmlns:a16="http://schemas.microsoft.com/office/drawing/2014/main" id="{737C4CFC-0AB1-47AA-9A7C-BE423B024D22}"/>
-              </a:ext>
-            </a:extLst>
-          </p:cNvPr>
+          <p:cNvPr id="2" name="标题 1"/>
           <p:cNvSpPr>
             <a:spLocks noGrp="1"/>
           </p:cNvSpPr>
@@ -5355,13 +4725,7 @@
       </p:sp>
       <p:sp>
         <p:nvSpPr>
-          <p:cNvPr id="7" name="Rectangle 1">
-            <a:extLst>
-              <a:ext uri="{FF2B5EF4-FFF2-40B4-BE49-F238E27FC236}">
-                <a16:creationId xmlns:a16="http://schemas.microsoft.com/office/drawing/2014/main" id="{ACFDE85A-1B74-4724-B69F-14BE0CAC50AA}"/>
-              </a:ext>
-            </a:extLst>
-          </p:cNvPr>
+          <p:cNvPr id="7" name="Rectangle 1"/>
           <p:cNvSpPr>
             <a:spLocks noChangeArrowheads="1"/>
           </p:cNvSpPr>
@@ -5387,9 +4751,6 @@
         </p:spPr>
         <p:txBody>
           <a:bodyPr vert="horz" wrap="square" lIns="91440" tIns="45720" rIns="91440" bIns="45720" numCol="1" anchor="ctr" anchorCtr="0" compatLnSpc="1">
-            <a:prstTxWarp prst="textNoShape">
-              <a:avLst/>
-            </a:prstTxWarp>
             <a:spAutoFit/>
           </a:bodyPr>
           <a:lstStyle/>
@@ -5408,7 +4769,6 @@
               <a:buSzTx/>
               <a:buFontTx/>
               <a:buNone/>
-              <a:tabLst/>
             </a:pPr>
             <a:r>
               <a:rPr kumimoji="0" lang="zh-CN" altLang="zh-CN" b="0" i="1" u="none" strike="noStrike" cap="none" normalizeH="0" baseline="0" dirty="0">
@@ -6208,13 +5568,7 @@
       </p:sp>
       <p:sp>
         <p:nvSpPr>
-          <p:cNvPr id="3" name="文本框 2">
-            <a:extLst>
-              <a:ext uri="{FF2B5EF4-FFF2-40B4-BE49-F238E27FC236}">
-                <a16:creationId xmlns:a16="http://schemas.microsoft.com/office/drawing/2014/main" id="{11F890D4-AEBB-4CB7-BA3D-CC7FA37687AE}"/>
-              </a:ext>
-            </a:extLst>
-          </p:cNvPr>
+          <p:cNvPr id="3" name="文本框 2"/>
           <p:cNvSpPr txBox="1"/>
           <p:nvPr/>
         </p:nvSpPr>
@@ -6243,11 +5597,6 @@
         </p:txBody>
       </p:sp>
     </p:spTree>
-    <p:extLst>
-      <p:ext uri="{BB962C8B-B14F-4D97-AF65-F5344CB8AC3E}">
-        <p14:creationId xmlns:p14="http://schemas.microsoft.com/office/powerpoint/2010/main" val="898646934"/>
-      </p:ext>
-    </p:extLst>
   </p:cSld>
   <p:clrMapOvr>
     <a:masterClrMapping/>
@@ -6274,13 +5623,7 @@
       </p:grpSpPr>
       <p:sp>
         <p:nvSpPr>
-          <p:cNvPr id="2" name="标题 1">
-            <a:extLst>
-              <a:ext uri="{FF2B5EF4-FFF2-40B4-BE49-F238E27FC236}">
-                <a16:creationId xmlns:a16="http://schemas.microsoft.com/office/drawing/2014/main" id="{D3583C23-68FF-4692-B054-C48475B1ABBA}"/>
-              </a:ext>
-            </a:extLst>
-          </p:cNvPr>
+          <p:cNvPr id="2" name="标题 1"/>
           <p:cNvSpPr>
             <a:spLocks noGrp="1"/>
           </p:cNvSpPr>
@@ -6303,13 +5646,7 @@
       </p:sp>
       <p:sp>
         <p:nvSpPr>
-          <p:cNvPr id="3" name="内容占位符 2">
-            <a:extLst>
-              <a:ext uri="{FF2B5EF4-FFF2-40B4-BE49-F238E27FC236}">
-                <a16:creationId xmlns:a16="http://schemas.microsoft.com/office/drawing/2014/main" id="{44A0C55A-F28E-4D08-B2DD-CE8821D96F62}"/>
-              </a:ext>
-            </a:extLst>
-          </p:cNvPr>
+          <p:cNvPr id="3" name="内容占位符 2"/>
           <p:cNvSpPr>
             <a:spLocks noGrp="1"/>
           </p:cNvSpPr>
@@ -6330,6 +5667,7 @@
               <a:rPr lang="en-US" altLang="zh-CN" dirty="0"/>
               <a:t>  and Dynamic Layout</a:t>
             </a:r>
+            <a:endParaRPr lang="en-US" altLang="zh-CN" dirty="0"/>
           </a:p>
           <a:p>
             <a:r>
@@ -6341,11 +5679,6 @@
         </p:txBody>
       </p:sp>
     </p:spTree>
-    <p:extLst>
-      <p:ext uri="{BB962C8B-B14F-4D97-AF65-F5344CB8AC3E}">
-        <p14:creationId xmlns:p14="http://schemas.microsoft.com/office/powerpoint/2010/main" val="1768164902"/>
-      </p:ext>
-    </p:extLst>
   </p:cSld>
   <p:clrMapOvr>
     <a:masterClrMapping/>
@@ -6372,13 +5705,7 @@
       </p:grpSpPr>
       <p:sp>
         <p:nvSpPr>
-          <p:cNvPr id="2" name="标题 1">
-            <a:extLst>
-              <a:ext uri="{FF2B5EF4-FFF2-40B4-BE49-F238E27FC236}">
-                <a16:creationId xmlns:a16="http://schemas.microsoft.com/office/drawing/2014/main" id="{FD3EE8F5-779C-433F-995D-27144D785D85}"/>
-              </a:ext>
-            </a:extLst>
-          </p:cNvPr>
+          <p:cNvPr id="2" name="标题 1"/>
           <p:cNvSpPr>
             <a:spLocks noGrp="1"/>
           </p:cNvSpPr>
@@ -6397,13 +5724,7 @@
       </p:sp>
       <p:sp>
         <p:nvSpPr>
-          <p:cNvPr id="3" name="内容占位符 2">
-            <a:extLst>
-              <a:ext uri="{FF2B5EF4-FFF2-40B4-BE49-F238E27FC236}">
-                <a16:creationId xmlns:a16="http://schemas.microsoft.com/office/drawing/2014/main" id="{167EB159-284E-4485-A814-2B3E2F6C95ED}"/>
-              </a:ext>
-            </a:extLst>
-          </p:cNvPr>
+          <p:cNvPr id="3" name="内容占位符 2"/>
           <p:cNvSpPr>
             <a:spLocks noGrp="1"/>
           </p:cNvSpPr>
@@ -6422,20 +5743,14 @@
       </p:sp>
       <p:pic>
         <p:nvPicPr>
-          <p:cNvPr id="5" name="图片 4">
-            <a:extLst>
-              <a:ext uri="{FF2B5EF4-FFF2-40B4-BE49-F238E27FC236}">
-                <a16:creationId xmlns:a16="http://schemas.microsoft.com/office/drawing/2014/main" id="{4603A9C6-05FD-4D91-979F-5EC9BAFBF0A5}"/>
-              </a:ext>
-            </a:extLst>
-          </p:cNvPr>
+          <p:cNvPr id="5" name="图片 4"/>
           <p:cNvPicPr>
             <a:picLocks noChangeAspect="1"/>
           </p:cNvPicPr>
           <p:nvPr/>
         </p:nvPicPr>
         <p:blipFill>
-          <a:blip r:embed="rId2"/>
+          <a:blip r:embed="rId1"/>
           <a:stretch>
             <a:fillRect/>
           </a:stretch>
@@ -6451,11 +5766,6 @@
         </p:spPr>
       </p:pic>
     </p:spTree>
-    <p:extLst>
-      <p:ext uri="{BB962C8B-B14F-4D97-AF65-F5344CB8AC3E}">
-        <p14:creationId xmlns:p14="http://schemas.microsoft.com/office/powerpoint/2010/main" val="3141973762"/>
-      </p:ext>
-    </p:extLst>
   </p:cSld>
   <p:clrMapOvr>
     <a:masterClrMapping/>
@@ -6482,13 +5792,7 @@
       </p:grpSpPr>
       <p:sp>
         <p:nvSpPr>
-          <p:cNvPr id="2" name="标题 1">
-            <a:extLst>
-              <a:ext uri="{FF2B5EF4-FFF2-40B4-BE49-F238E27FC236}">
-                <a16:creationId xmlns:a16="http://schemas.microsoft.com/office/drawing/2014/main" id="{737C4CFC-0AB1-47AA-9A7C-BE423B024D22}"/>
-              </a:ext>
-            </a:extLst>
-          </p:cNvPr>
+          <p:cNvPr id="2" name="标题 1"/>
           <p:cNvSpPr>
             <a:spLocks noGrp="1"/>
           </p:cNvSpPr>
@@ -6516,13 +5820,7 @@
       </p:sp>
       <p:sp>
         <p:nvSpPr>
-          <p:cNvPr id="4" name="Rectangle 1">
-            <a:extLst>
-              <a:ext uri="{FF2B5EF4-FFF2-40B4-BE49-F238E27FC236}">
-                <a16:creationId xmlns:a16="http://schemas.microsoft.com/office/drawing/2014/main" id="{432C1C11-DD1E-4CCF-AB8E-21C3F9FD59F7}"/>
-              </a:ext>
-            </a:extLst>
-          </p:cNvPr>
+          <p:cNvPr id="4" name="Rectangle 1"/>
           <p:cNvSpPr>
             <a:spLocks noChangeArrowheads="1"/>
           </p:cNvSpPr>
@@ -6548,9 +5846,6 @@
         </p:spPr>
         <p:txBody>
           <a:bodyPr vert="horz" wrap="square" lIns="91440" tIns="45720" rIns="91440" bIns="45720" numCol="1" anchor="ctr" anchorCtr="0" compatLnSpc="1">
-            <a:prstTxWarp prst="textNoShape">
-              <a:avLst/>
-            </a:prstTxWarp>
             <a:spAutoFit/>
           </a:bodyPr>
           <a:lstStyle/>
@@ -6569,7 +5864,6 @@
               <a:buSzTx/>
               <a:buFontTx/>
               <a:buNone/>
-              <a:tabLst/>
             </a:pPr>
             <a:r>
               <a:rPr kumimoji="0" lang="en-US" altLang="zh-CN" sz="3200" b="0" i="0" u="none" strike="noStrike" cap="none" normalizeH="0" baseline="0" dirty="0">
@@ -6610,6 +5904,16 @@
               </a:rPr>
               <a:t>()</a:t>
             </a:r>
+            <a:endParaRPr kumimoji="0" lang="en-US" altLang="zh-CN" sz="3200" b="0" i="0" u="none" strike="noStrike" cap="none" normalizeH="0" baseline="0" dirty="0">
+              <a:ln>
+                <a:noFill/>
+              </a:ln>
+              <a:solidFill>
+                <a:srgbClr val="000000"/>
+              </a:solidFill>
+              <a:effectLst/>
+              <a:latin typeface="Consolas" panose="020B0609020204030204" pitchFamily="49" charset="0"/>
+            </a:endParaRPr>
           </a:p>
           <a:p>
             <a:pPr marL="0" marR="0" lvl="0" indent="0" algn="l" defTabSz="914400" rtl="0" eaLnBrk="0" fontAlgn="base" latinLnBrk="0" hangingPunct="0">
@@ -6626,7 +5930,6 @@
               <a:buSzTx/>
               <a:buFontTx/>
               <a:buNone/>
-              <a:tabLst/>
             </a:pPr>
             <a:r>
               <a:rPr kumimoji="0" lang="zh-CN" altLang="zh-CN" sz="3200" b="0" i="0" u="none" strike="noStrike" cap="none" normalizeH="0" baseline="0" dirty="0">
@@ -6693,7 +5996,6 @@
               <a:buSzTx/>
               <a:buFontTx/>
               <a:buNone/>
-              <a:tabLst/>
             </a:pPr>
             <a:r>
               <a:rPr kumimoji="0" lang="zh-CN" altLang="zh-CN" sz="3200" b="0" i="0" u="none" strike="noStrike" cap="none" normalizeH="0" baseline="0" dirty="0">
@@ -6863,7 +6165,6 @@
               <a:buSzTx/>
               <a:buFontTx/>
               <a:buNone/>
-              <a:tabLst/>
             </a:pPr>
             <a:r>
               <a:rPr kumimoji="0" lang="zh-CN" altLang="zh-CN" sz="3200" b="0" i="0" u="none" strike="noStrike" cap="none" normalizeH="0" baseline="0" dirty="0">
@@ -6930,7 +6231,6 @@
               <a:buSzTx/>
               <a:buFontTx/>
               <a:buNone/>
-              <a:tabLst/>
             </a:pPr>
             <a:r>
               <a:rPr kumimoji="0" lang="zh-CN" altLang="zh-CN" sz="3200" b="0" i="0" u="none" strike="noStrike" cap="none" normalizeH="0" baseline="0" dirty="0">
@@ -6959,11 +6259,6 @@
         </p:txBody>
       </p:sp>
     </p:spTree>
-    <p:extLst>
-      <p:ext uri="{BB962C8B-B14F-4D97-AF65-F5344CB8AC3E}">
-        <p14:creationId xmlns:p14="http://schemas.microsoft.com/office/powerpoint/2010/main" val="1874608439"/>
-      </p:ext>
-    </p:extLst>
   </p:cSld>
   <p:clrMapOvr>
     <a:masterClrMapping/>
@@ -6990,13 +6285,7 @@
       </p:grpSpPr>
       <p:sp>
         <p:nvSpPr>
-          <p:cNvPr id="2" name="标题 1">
-            <a:extLst>
-              <a:ext uri="{FF2B5EF4-FFF2-40B4-BE49-F238E27FC236}">
-                <a16:creationId xmlns:a16="http://schemas.microsoft.com/office/drawing/2014/main" id="{737C4CFC-0AB1-47AA-9A7C-BE423B024D22}"/>
-              </a:ext>
-            </a:extLst>
-          </p:cNvPr>
+          <p:cNvPr id="2" name="标题 1"/>
           <p:cNvSpPr>
             <a:spLocks noGrp="1"/>
           </p:cNvSpPr>
@@ -7024,20 +6313,14 @@
       </p:sp>
       <p:pic>
         <p:nvPicPr>
-          <p:cNvPr id="5" name="图片 4">
-            <a:extLst>
-              <a:ext uri="{FF2B5EF4-FFF2-40B4-BE49-F238E27FC236}">
-                <a16:creationId xmlns:a16="http://schemas.microsoft.com/office/drawing/2014/main" id="{889C4477-644C-4423-94CB-8B7EAEA42D51}"/>
-              </a:ext>
-            </a:extLst>
-          </p:cNvPr>
+          <p:cNvPr id="5" name="图片 4"/>
           <p:cNvPicPr>
             <a:picLocks noChangeAspect="1"/>
           </p:cNvPicPr>
           <p:nvPr/>
         </p:nvPicPr>
         <p:blipFill>
-          <a:blip r:embed="rId2"/>
+          <a:blip r:embed="rId1"/>
           <a:stretch>
             <a:fillRect/>
           </a:stretch>
@@ -7054,20 +6337,14 @@
       </p:pic>
       <p:pic>
         <p:nvPicPr>
-          <p:cNvPr id="8" name="图片 7">
-            <a:extLst>
-              <a:ext uri="{FF2B5EF4-FFF2-40B4-BE49-F238E27FC236}">
-                <a16:creationId xmlns:a16="http://schemas.microsoft.com/office/drawing/2014/main" id="{2D30C9E1-1ED3-4BAE-BF3F-0180339BDE10}"/>
-              </a:ext>
-            </a:extLst>
-          </p:cNvPr>
+          <p:cNvPr id="8" name="图片 7"/>
           <p:cNvPicPr>
             <a:picLocks noChangeAspect="1"/>
           </p:cNvPicPr>
           <p:nvPr/>
         </p:nvPicPr>
         <p:blipFill>
-          <a:blip r:embed="rId3"/>
+          <a:blip r:embed="rId2"/>
           <a:stretch>
             <a:fillRect/>
           </a:stretch>
@@ -7083,11 +6360,6 @@
         </p:spPr>
       </p:pic>
     </p:spTree>
-    <p:extLst>
-      <p:ext uri="{BB962C8B-B14F-4D97-AF65-F5344CB8AC3E}">
-        <p14:creationId xmlns:p14="http://schemas.microsoft.com/office/powerpoint/2010/main" val="2862323380"/>
-      </p:ext>
-    </p:extLst>
   </p:cSld>
   <p:clrMapOvr>
     <a:masterClrMapping/>
@@ -7114,13 +6386,7 @@
       </p:grpSpPr>
       <p:sp>
         <p:nvSpPr>
-          <p:cNvPr id="2" name="标题 1">
-            <a:extLst>
-              <a:ext uri="{FF2B5EF4-FFF2-40B4-BE49-F238E27FC236}">
-                <a16:creationId xmlns:a16="http://schemas.microsoft.com/office/drawing/2014/main" id="{B4FC1481-F488-4221-86BE-0462BA463740}"/>
-              </a:ext>
-            </a:extLst>
-          </p:cNvPr>
+          <p:cNvPr id="2" name="标题 1"/>
           <p:cNvSpPr>
             <a:spLocks noGrp="1"/>
           </p:cNvSpPr>
@@ -7148,13 +6414,7 @@
       </p:sp>
       <p:sp>
         <p:nvSpPr>
-          <p:cNvPr id="3" name="内容占位符 2">
-            <a:extLst>
-              <a:ext uri="{FF2B5EF4-FFF2-40B4-BE49-F238E27FC236}">
-                <a16:creationId xmlns:a16="http://schemas.microsoft.com/office/drawing/2014/main" id="{6C9DA915-5FD8-41C7-9505-C64963122D90}"/>
-              </a:ext>
-            </a:extLst>
-          </p:cNvPr>
+          <p:cNvPr id="3" name="内容占位符 2"/>
           <p:cNvSpPr>
             <a:spLocks noGrp="1"/>
           </p:cNvSpPr>
@@ -7173,13 +6433,7 @@
       </p:sp>
       <p:sp>
         <p:nvSpPr>
-          <p:cNvPr id="4" name="Rectangle 1">
-            <a:extLst>
-              <a:ext uri="{FF2B5EF4-FFF2-40B4-BE49-F238E27FC236}">
-                <a16:creationId xmlns:a16="http://schemas.microsoft.com/office/drawing/2014/main" id="{F6F71B32-B75E-4920-A71D-5BDB2442212E}"/>
-              </a:ext>
-            </a:extLst>
-          </p:cNvPr>
+          <p:cNvPr id="4" name="Rectangle 1"/>
           <p:cNvSpPr>
             <a:spLocks noChangeArrowheads="1"/>
           </p:cNvSpPr>
@@ -7205,9 +6459,6 @@
         </p:spPr>
         <p:txBody>
           <a:bodyPr vert="horz" wrap="square" lIns="91440" tIns="45720" rIns="91440" bIns="45720" numCol="1" anchor="ctr" anchorCtr="0" compatLnSpc="1">
-            <a:prstTxWarp prst="textNoShape">
-              <a:avLst/>
-            </a:prstTxWarp>
             <a:spAutoFit/>
           </a:bodyPr>
           <a:lstStyle/>
@@ -7226,7 +6477,6 @@
               <a:buSzTx/>
               <a:buFontTx/>
               <a:buNone/>
-              <a:tabLst/>
             </a:pPr>
             <a:r>
               <a:rPr kumimoji="0" lang="zh-CN" altLang="zh-CN" sz="3200" b="0" i="0" u="none" strike="noStrike" cap="none" normalizeH="0" baseline="0" dirty="0">
@@ -7293,7 +6543,6 @@
               <a:buSzTx/>
               <a:buFontTx/>
               <a:buNone/>
-              <a:tabLst/>
             </a:pPr>
             <a:r>
               <a:rPr kumimoji="0" lang="zh-CN" altLang="zh-CN" sz="3200" b="0" i="0" u="none" strike="noStrike" cap="none" normalizeH="0" baseline="0" dirty="0">
@@ -7463,7 +6712,6 @@
               <a:buSzTx/>
               <a:buFontTx/>
               <a:buNone/>
-              <a:tabLst/>
             </a:pPr>
             <a:r>
               <a:rPr kumimoji="0" lang="zh-CN" altLang="zh-CN" sz="3200" b="0" i="0" u="none" strike="noStrike" cap="none" normalizeH="0" baseline="0" dirty="0">
@@ -7492,11 +6740,6 @@
         </p:txBody>
       </p:sp>
     </p:spTree>
-    <p:extLst>
-      <p:ext uri="{BB962C8B-B14F-4D97-AF65-F5344CB8AC3E}">
-        <p14:creationId xmlns:p14="http://schemas.microsoft.com/office/powerpoint/2010/main" val="2795631955"/>
-      </p:ext>
-    </p:extLst>
   </p:cSld>
   <p:clrMapOvr>
     <a:masterClrMapping/>
@@ -7523,13 +6766,7 @@
       </p:grpSpPr>
       <p:sp>
         <p:nvSpPr>
-          <p:cNvPr id="2" name="标题 1">
-            <a:extLst>
-              <a:ext uri="{FF2B5EF4-FFF2-40B4-BE49-F238E27FC236}">
-                <a16:creationId xmlns:a16="http://schemas.microsoft.com/office/drawing/2014/main" id="{B4FC1481-F488-4221-86BE-0462BA463740}"/>
-              </a:ext>
-            </a:extLst>
-          </p:cNvPr>
+          <p:cNvPr id="2" name="标题 1"/>
           <p:cNvSpPr>
             <a:spLocks noGrp="1"/>
           </p:cNvSpPr>
@@ -7557,13 +6794,7 @@
       </p:sp>
       <p:sp>
         <p:nvSpPr>
-          <p:cNvPr id="3" name="内容占位符 2">
-            <a:extLst>
-              <a:ext uri="{FF2B5EF4-FFF2-40B4-BE49-F238E27FC236}">
-                <a16:creationId xmlns:a16="http://schemas.microsoft.com/office/drawing/2014/main" id="{6C9DA915-5FD8-41C7-9505-C64963122D90}"/>
-              </a:ext>
-            </a:extLst>
-          </p:cNvPr>
+          <p:cNvPr id="3" name="内容占位符 2"/>
           <p:cNvSpPr>
             <a:spLocks noGrp="1"/>
           </p:cNvSpPr>
@@ -7582,20 +6813,14 @@
       </p:sp>
       <p:pic>
         <p:nvPicPr>
-          <p:cNvPr id="7" name="图片 6">
-            <a:extLst>
-              <a:ext uri="{FF2B5EF4-FFF2-40B4-BE49-F238E27FC236}">
-                <a16:creationId xmlns:a16="http://schemas.microsoft.com/office/drawing/2014/main" id="{D3D1BECB-78BC-42CB-9475-80C62EBFC8AA}"/>
-              </a:ext>
-            </a:extLst>
-          </p:cNvPr>
+          <p:cNvPr id="7" name="图片 6"/>
           <p:cNvPicPr>
             <a:picLocks noChangeAspect="1"/>
           </p:cNvPicPr>
           <p:nvPr/>
         </p:nvPicPr>
         <p:blipFill>
-          <a:blip r:embed="rId2"/>
+          <a:blip r:embed="rId1"/>
           <a:stretch>
             <a:fillRect/>
           </a:stretch>
@@ -7611,11 +6836,6 @@
         </p:spPr>
       </p:pic>
     </p:spTree>
-    <p:extLst>
-      <p:ext uri="{BB962C8B-B14F-4D97-AF65-F5344CB8AC3E}">
-        <p14:creationId xmlns:p14="http://schemas.microsoft.com/office/powerpoint/2010/main" val="3284220919"/>
-      </p:ext>
-    </p:extLst>
   </p:cSld>
   <p:clrMapOvr>
     <a:masterClrMapping/>
@@ -7642,13 +6862,7 @@
       </p:grpSpPr>
       <p:sp>
         <p:nvSpPr>
-          <p:cNvPr id="2" name="标题 1">
-            <a:extLst>
-              <a:ext uri="{FF2B5EF4-FFF2-40B4-BE49-F238E27FC236}">
-                <a16:creationId xmlns:a16="http://schemas.microsoft.com/office/drawing/2014/main" id="{7A080FC3-2A11-4068-9F06-5C679A313530}"/>
-              </a:ext>
-            </a:extLst>
-          </p:cNvPr>
+          <p:cNvPr id="2" name="标题 1"/>
           <p:cNvSpPr>
             <a:spLocks noGrp="1"/>
           </p:cNvSpPr>
@@ -7684,13 +6898,7 @@
       </p:sp>
       <p:sp>
         <p:nvSpPr>
-          <p:cNvPr id="3" name="内容占位符 2">
-            <a:extLst>
-              <a:ext uri="{FF2B5EF4-FFF2-40B4-BE49-F238E27FC236}">
-                <a16:creationId xmlns:a16="http://schemas.microsoft.com/office/drawing/2014/main" id="{CF24738B-73EC-4301-A5A5-D96028CFA41D}"/>
-              </a:ext>
-            </a:extLst>
-          </p:cNvPr>
+          <p:cNvPr id="3" name="内容占位符 2"/>
           <p:cNvSpPr>
             <a:spLocks noGrp="1"/>
           </p:cNvSpPr>
@@ -7709,13 +6917,7 @@
       </p:sp>
       <p:sp>
         <p:nvSpPr>
-          <p:cNvPr id="4" name="Rectangle 1">
-            <a:extLst>
-              <a:ext uri="{FF2B5EF4-FFF2-40B4-BE49-F238E27FC236}">
-                <a16:creationId xmlns:a16="http://schemas.microsoft.com/office/drawing/2014/main" id="{1F375FBA-2C77-468D-9C79-D81D488F57ED}"/>
-              </a:ext>
-            </a:extLst>
-          </p:cNvPr>
+          <p:cNvPr id="4" name="Rectangle 1"/>
           <p:cNvSpPr>
             <a:spLocks noChangeArrowheads="1"/>
           </p:cNvSpPr>
@@ -7741,9 +6943,6 @@
         </p:spPr>
         <p:txBody>
           <a:bodyPr vert="horz" wrap="square" lIns="91440" tIns="45720" rIns="91440" bIns="45720" numCol="1" anchor="ctr" anchorCtr="0" compatLnSpc="1">
-            <a:prstTxWarp prst="textNoShape">
-              <a:avLst/>
-            </a:prstTxWarp>
             <a:spAutoFit/>
           </a:bodyPr>
           <a:lstStyle/>
@@ -7762,7 +6961,6 @@
               <a:buSzTx/>
               <a:buFontTx/>
               <a:buNone/>
-              <a:tabLst/>
             </a:pPr>
             <a:r>
               <a:rPr kumimoji="0" lang="zh-CN" altLang="zh-CN" sz="2800" b="0" i="0" u="none" strike="noStrike" cap="none" normalizeH="0" baseline="0" dirty="0">
@@ -7829,7 +7027,6 @@
               <a:buSzTx/>
               <a:buFontTx/>
               <a:buNone/>
-              <a:tabLst/>
             </a:pPr>
             <a:r>
               <a:rPr kumimoji="0" lang="zh-CN" altLang="zh-CN" sz="2800" b="0" i="0" u="none" strike="noStrike" cap="none" normalizeH="0" baseline="0" dirty="0">
@@ -8255,11 +7452,6 @@
         </p:txBody>
       </p:sp>
     </p:spTree>
-    <p:extLst>
-      <p:ext uri="{BB962C8B-B14F-4D97-AF65-F5344CB8AC3E}">
-        <p14:creationId xmlns:p14="http://schemas.microsoft.com/office/powerpoint/2010/main" val="4020055283"/>
-      </p:ext>
-    </p:extLst>
   </p:cSld>
   <p:clrMapOvr>
     <a:masterClrMapping/>
@@ -8286,13 +7478,7 @@
       </p:grpSpPr>
       <p:sp>
         <p:nvSpPr>
-          <p:cNvPr id="2" name="标题 1">
-            <a:extLst>
-              <a:ext uri="{FF2B5EF4-FFF2-40B4-BE49-F238E27FC236}">
-                <a16:creationId xmlns:a16="http://schemas.microsoft.com/office/drawing/2014/main" id="{DD14EB6E-70A7-4B76-AE4F-B10662B08698}"/>
-              </a:ext>
-            </a:extLst>
-          </p:cNvPr>
+          <p:cNvPr id="2" name="标题 1"/>
           <p:cNvSpPr>
             <a:spLocks noGrp="1"/>
           </p:cNvSpPr>
@@ -8320,13 +7506,7 @@
       </p:sp>
       <p:sp>
         <p:nvSpPr>
-          <p:cNvPr id="4" name="矩形 3">
-            <a:extLst>
-              <a:ext uri="{FF2B5EF4-FFF2-40B4-BE49-F238E27FC236}">
-                <a16:creationId xmlns:a16="http://schemas.microsoft.com/office/drawing/2014/main" id="{9CDFA967-8C05-46AD-94C6-69C004BA88C9}"/>
-              </a:ext>
-            </a:extLst>
-          </p:cNvPr>
+          <p:cNvPr id="4" name="矩形 3"/>
           <p:cNvSpPr/>
           <p:nvPr/>
         </p:nvSpPr>
@@ -8370,13 +7550,7 @@
       </p:sp>
       <p:sp>
         <p:nvSpPr>
-          <p:cNvPr id="5" name="矩形 4">
-            <a:extLst>
-              <a:ext uri="{FF2B5EF4-FFF2-40B4-BE49-F238E27FC236}">
-                <a16:creationId xmlns:a16="http://schemas.microsoft.com/office/drawing/2014/main" id="{6D0163CF-CAAC-409C-B874-C23AAC438204}"/>
-              </a:ext>
-            </a:extLst>
-          </p:cNvPr>
+          <p:cNvPr id="5" name="矩形 4"/>
           <p:cNvSpPr/>
           <p:nvPr/>
         </p:nvSpPr>
@@ -8420,13 +7594,7 @@
       </p:sp>
       <p:sp>
         <p:nvSpPr>
-          <p:cNvPr id="6" name="矩形 5">
-            <a:extLst>
-              <a:ext uri="{FF2B5EF4-FFF2-40B4-BE49-F238E27FC236}">
-                <a16:creationId xmlns:a16="http://schemas.microsoft.com/office/drawing/2014/main" id="{FD48E7A9-59ED-4A17-89BA-F3DF4BC0D495}"/>
-              </a:ext>
-            </a:extLst>
-          </p:cNvPr>
+          <p:cNvPr id="6" name="矩形 5"/>
           <p:cNvSpPr/>
           <p:nvPr/>
         </p:nvSpPr>
@@ -8470,13 +7638,7 @@
       </p:sp>
       <p:sp>
         <p:nvSpPr>
-          <p:cNvPr id="7" name="矩形 6">
-            <a:extLst>
-              <a:ext uri="{FF2B5EF4-FFF2-40B4-BE49-F238E27FC236}">
-                <a16:creationId xmlns:a16="http://schemas.microsoft.com/office/drawing/2014/main" id="{164BECC7-9BC9-4518-9AE1-B5EE2B9022AE}"/>
-              </a:ext>
-            </a:extLst>
-          </p:cNvPr>
+          <p:cNvPr id="7" name="矩形 6"/>
           <p:cNvSpPr/>
           <p:nvPr/>
         </p:nvSpPr>
@@ -8520,13 +7682,7 @@
       </p:sp>
       <p:sp>
         <p:nvSpPr>
-          <p:cNvPr id="8" name="矩形 7">
-            <a:extLst>
-              <a:ext uri="{FF2B5EF4-FFF2-40B4-BE49-F238E27FC236}">
-                <a16:creationId xmlns:a16="http://schemas.microsoft.com/office/drawing/2014/main" id="{D39BBCC6-F2E6-4AFD-AEC8-D208022CF510}"/>
-              </a:ext>
-            </a:extLst>
-          </p:cNvPr>
+          <p:cNvPr id="8" name="矩形 7"/>
           <p:cNvSpPr/>
           <p:nvPr/>
         </p:nvSpPr>
@@ -8570,13 +7726,7 @@
       </p:sp>
       <p:sp>
         <p:nvSpPr>
-          <p:cNvPr id="9" name="矩形: 圆角 8">
-            <a:extLst>
-              <a:ext uri="{FF2B5EF4-FFF2-40B4-BE49-F238E27FC236}">
-                <a16:creationId xmlns:a16="http://schemas.microsoft.com/office/drawing/2014/main" id="{8C36EBAC-5CDC-4578-A2CC-B7AB4AEFDD3D}"/>
-              </a:ext>
-            </a:extLst>
-          </p:cNvPr>
+          <p:cNvPr id="9" name="矩形: 圆角 8"/>
           <p:cNvSpPr/>
           <p:nvPr/>
         </p:nvSpPr>
@@ -8620,20 +7770,14 @@
       </p:sp>
       <p:pic>
         <p:nvPicPr>
-          <p:cNvPr id="10" name="图片 9">
-            <a:extLst>
-              <a:ext uri="{FF2B5EF4-FFF2-40B4-BE49-F238E27FC236}">
-                <a16:creationId xmlns:a16="http://schemas.microsoft.com/office/drawing/2014/main" id="{C3F84F5F-DA3E-4715-8097-BAA84B2EDF0A}"/>
-              </a:ext>
-            </a:extLst>
-          </p:cNvPr>
+          <p:cNvPr id="10" name="图片 9"/>
           <p:cNvPicPr>
             <a:picLocks noChangeAspect="1"/>
           </p:cNvPicPr>
           <p:nvPr/>
         </p:nvPicPr>
         <p:blipFill>
-          <a:blip r:embed="rId2"/>
+          <a:blip r:embed="rId1"/>
           <a:stretch>
             <a:fillRect/>
           </a:stretch>
@@ -8650,13 +7794,7 @@
       </p:pic>
       <p:sp>
         <p:nvSpPr>
-          <p:cNvPr id="11" name="箭头: 右 10">
-            <a:extLst>
-              <a:ext uri="{FF2B5EF4-FFF2-40B4-BE49-F238E27FC236}">
-                <a16:creationId xmlns:a16="http://schemas.microsoft.com/office/drawing/2014/main" id="{B51C1B4F-6B0B-48B1-97C7-923AE6520DD4}"/>
-              </a:ext>
-            </a:extLst>
-          </p:cNvPr>
+          <p:cNvPr id="11" name="箭头: 右 10"/>
           <p:cNvSpPr/>
           <p:nvPr/>
         </p:nvSpPr>
@@ -8700,13 +7838,7 @@
       </p:sp>
       <p:sp>
         <p:nvSpPr>
-          <p:cNvPr id="12" name="箭头: 右 11">
-            <a:extLst>
-              <a:ext uri="{FF2B5EF4-FFF2-40B4-BE49-F238E27FC236}">
-                <a16:creationId xmlns:a16="http://schemas.microsoft.com/office/drawing/2014/main" id="{8D662995-3A7D-4650-A257-C1BCCB564B29}"/>
-              </a:ext>
-            </a:extLst>
-          </p:cNvPr>
+          <p:cNvPr id="12" name="箭头: 右 11"/>
           <p:cNvSpPr/>
           <p:nvPr/>
         </p:nvSpPr>
@@ -8750,13 +7882,7 @@
       </p:sp>
       <p:sp>
         <p:nvSpPr>
-          <p:cNvPr id="17" name="文本框 16">
-            <a:extLst>
-              <a:ext uri="{FF2B5EF4-FFF2-40B4-BE49-F238E27FC236}">
-                <a16:creationId xmlns:a16="http://schemas.microsoft.com/office/drawing/2014/main" id="{73591281-51FE-4F1E-81E4-05F7FE180E2C}"/>
-              </a:ext>
-            </a:extLst>
-          </p:cNvPr>
+          <p:cNvPr id="17" name="文本框 16"/>
           <p:cNvSpPr txBox="1"/>
           <p:nvPr/>
         </p:nvSpPr>
@@ -8785,15 +7911,11 @@
               <a:rPr lang="zh-CN" altLang="en-US" sz="2800" b="1" dirty="0"/>
               <a:t>change the underlying data that is read by your Adapter, you should call notifyDataSetChanged().</a:t>
             </a:r>
+            <a:endParaRPr lang="zh-CN" altLang="en-US" sz="2800" b="1" dirty="0"/>
           </a:p>
         </p:txBody>
       </p:sp>
     </p:spTree>
-    <p:extLst>
-      <p:ext uri="{BB962C8B-B14F-4D97-AF65-F5344CB8AC3E}">
-        <p14:creationId xmlns:p14="http://schemas.microsoft.com/office/powerpoint/2010/main" val="1856951082"/>
-      </p:ext>
-    </p:extLst>
   </p:cSld>
   <p:clrMapOvr>
     <a:masterClrMapping/>
@@ -8820,13 +7942,7 @@
       </p:grpSpPr>
       <p:sp>
         <p:nvSpPr>
-          <p:cNvPr id="2" name="标题 1">
-            <a:extLst>
-              <a:ext uri="{FF2B5EF4-FFF2-40B4-BE49-F238E27FC236}">
-                <a16:creationId xmlns:a16="http://schemas.microsoft.com/office/drawing/2014/main" id="{2E5CD01E-7FE0-4972-8B9C-18591A5A4239}"/>
-              </a:ext>
-            </a:extLst>
-          </p:cNvPr>
+          <p:cNvPr id="2" name="标题 1"/>
           <p:cNvSpPr>
             <a:spLocks noGrp="1"/>
           </p:cNvSpPr>
@@ -8854,13 +7970,7 @@
       </p:sp>
       <p:pic>
         <p:nvPicPr>
-          <p:cNvPr id="5" name="内容占位符 4">
-            <a:extLst>
-              <a:ext uri="{FF2B5EF4-FFF2-40B4-BE49-F238E27FC236}">
-                <a16:creationId xmlns:a16="http://schemas.microsoft.com/office/drawing/2014/main" id="{68D2A177-1CE5-4B4D-9855-979AD4B190AE}"/>
-              </a:ext>
-            </a:extLst>
-          </p:cNvPr>
+          <p:cNvPr id="5" name="内容占位符 4"/>
           <p:cNvPicPr>
             <a:picLocks noGrp="1" noChangeAspect="1"/>
           </p:cNvPicPr>
@@ -8869,7 +7979,7 @@
           </p:nvPr>
         </p:nvPicPr>
         <p:blipFill>
-          <a:blip r:embed="rId2">
+          <a:blip r:embed="rId1">
             <a:extLst>
               <a:ext uri="{28A0092B-C50C-407E-A947-70E740481C1C}">
                 <a14:useLocalDpi xmlns:a14="http://schemas.microsoft.com/office/drawing/2010/main" val="0"/>
@@ -8893,11 +8003,6 @@
         </p:spPr>
       </p:pic>
     </p:spTree>
-    <p:extLst>
-      <p:ext uri="{BB962C8B-B14F-4D97-AF65-F5344CB8AC3E}">
-        <p14:creationId xmlns:p14="http://schemas.microsoft.com/office/powerpoint/2010/main" val="406603779"/>
-      </p:ext>
-    </p:extLst>
   </p:cSld>
   <p:clrMapOvr>
     <a:masterClrMapping/>
@@ -8924,13 +8029,7 @@
       </p:grpSpPr>
       <p:sp>
         <p:nvSpPr>
-          <p:cNvPr id="2" name="标题 1">
-            <a:extLst>
-              <a:ext uri="{FF2B5EF4-FFF2-40B4-BE49-F238E27FC236}">
-                <a16:creationId xmlns:a16="http://schemas.microsoft.com/office/drawing/2014/main" id="{6028E242-C72B-4AD7-8BC0-78D7A2635F8B}"/>
-              </a:ext>
-            </a:extLst>
-          </p:cNvPr>
+          <p:cNvPr id="2" name="标题 1"/>
           <p:cNvSpPr>
             <a:spLocks noGrp="1"/>
           </p:cNvSpPr>
@@ -8962,13 +8061,7 @@
       </p:sp>
       <p:sp>
         <p:nvSpPr>
-          <p:cNvPr id="3" name="内容占位符 2">
-            <a:extLst>
-              <a:ext uri="{FF2B5EF4-FFF2-40B4-BE49-F238E27FC236}">
-                <a16:creationId xmlns:a16="http://schemas.microsoft.com/office/drawing/2014/main" id="{476F5FC3-AEF5-48E1-B198-6E19B770E1CE}"/>
-              </a:ext>
-            </a:extLst>
-          </p:cNvPr>
+          <p:cNvPr id="3" name="内容占位符 2"/>
           <p:cNvSpPr>
             <a:spLocks noGrp="1"/>
           </p:cNvSpPr>
@@ -9054,20 +8147,14 @@
       </p:sp>
       <p:pic>
         <p:nvPicPr>
-          <p:cNvPr id="5" name="图片 4">
-            <a:extLst>
-              <a:ext uri="{FF2B5EF4-FFF2-40B4-BE49-F238E27FC236}">
-                <a16:creationId xmlns:a16="http://schemas.microsoft.com/office/drawing/2014/main" id="{2EE90637-8275-416A-B295-A9AC46D5B73B}"/>
-              </a:ext>
-            </a:extLst>
-          </p:cNvPr>
+          <p:cNvPr id="5" name="图片 4"/>
           <p:cNvPicPr>
             <a:picLocks noChangeAspect="1"/>
           </p:cNvPicPr>
           <p:nvPr/>
         </p:nvPicPr>
         <p:blipFill>
-          <a:blip r:embed="rId2">
+          <a:blip r:embed="rId1">
             <a:extLst>
               <a:ext uri="{28A0092B-C50C-407E-A947-70E740481C1C}">
                 <a14:useLocalDpi xmlns:a14="http://schemas.microsoft.com/office/drawing/2010/main" val="0"/>
@@ -9094,11 +8181,6 @@
         </p:spPr>
       </p:pic>
     </p:spTree>
-    <p:extLst>
-      <p:ext uri="{BB962C8B-B14F-4D97-AF65-F5344CB8AC3E}">
-        <p14:creationId xmlns:p14="http://schemas.microsoft.com/office/powerpoint/2010/main" val="1657259165"/>
-      </p:ext>
-    </p:extLst>
   </p:cSld>
   <p:clrMapOvr>
     <a:masterClrMapping/>
@@ -9125,13 +8207,7 @@
       </p:grpSpPr>
       <p:sp>
         <p:nvSpPr>
-          <p:cNvPr id="2" name="标题 1">
-            <a:extLst>
-              <a:ext uri="{FF2B5EF4-FFF2-40B4-BE49-F238E27FC236}">
-                <a16:creationId xmlns:a16="http://schemas.microsoft.com/office/drawing/2014/main" id="{CA3CCD10-4A55-4F0F-9595-FC5792D3A812}"/>
-              </a:ext>
-            </a:extLst>
-          </p:cNvPr>
+          <p:cNvPr id="2" name="标题 1"/>
           <p:cNvSpPr>
             <a:spLocks noGrp="1"/>
           </p:cNvSpPr>
@@ -9154,13 +8230,7 @@
       </p:sp>
       <p:sp>
         <p:nvSpPr>
-          <p:cNvPr id="3" name="内容占位符 2">
-            <a:extLst>
-              <a:ext uri="{FF2B5EF4-FFF2-40B4-BE49-F238E27FC236}">
-                <a16:creationId xmlns:a16="http://schemas.microsoft.com/office/drawing/2014/main" id="{6F37D885-F326-4060-A8FF-6F46342BE8AF}"/>
-              </a:ext>
-            </a:extLst>
-          </p:cNvPr>
+          <p:cNvPr id="3" name="内容占位符 2"/>
           <p:cNvSpPr>
             <a:spLocks noGrp="1"/>
           </p:cNvSpPr>
@@ -9177,6 +8247,7 @@
               <a:rPr lang="en-US" altLang="zh-CN" dirty="0"/>
               <a:t>Declare UI elements in XML: Android provides a straightforward XML vocabulary that corresponds to the View classes and subclasses.</a:t>
             </a:r>
+            <a:endParaRPr lang="en-US" altLang="zh-CN" dirty="0"/>
           </a:p>
           <a:p>
             <a:endParaRPr lang="en-US" altLang="zh-CN" dirty="0"/>
@@ -9199,11 +8270,6 @@
         </p:txBody>
       </p:sp>
     </p:spTree>
-    <p:extLst>
-      <p:ext uri="{BB962C8B-B14F-4D97-AF65-F5344CB8AC3E}">
-        <p14:creationId xmlns:p14="http://schemas.microsoft.com/office/powerpoint/2010/main" val="1412801895"/>
-      </p:ext>
-    </p:extLst>
   </p:cSld>
   <p:clrMapOvr>
     <a:masterClrMapping/>
@@ -9230,13 +8296,7 @@
       </p:grpSpPr>
       <p:sp>
         <p:nvSpPr>
-          <p:cNvPr id="2" name="标题 1">
-            <a:extLst>
-              <a:ext uri="{FF2B5EF4-FFF2-40B4-BE49-F238E27FC236}">
-                <a16:creationId xmlns:a16="http://schemas.microsoft.com/office/drawing/2014/main" id="{C45AA1AE-5B58-43B2-8E8B-3508BAB1D11F}"/>
-              </a:ext>
-            </a:extLst>
-          </p:cNvPr>
+          <p:cNvPr id="2" name="标题 1"/>
           <p:cNvSpPr>
             <a:spLocks noGrp="1"/>
           </p:cNvSpPr>
@@ -9259,13 +8319,7 @@
       </p:sp>
       <p:sp>
         <p:nvSpPr>
-          <p:cNvPr id="3" name="内容占位符 2">
-            <a:extLst>
-              <a:ext uri="{FF2B5EF4-FFF2-40B4-BE49-F238E27FC236}">
-                <a16:creationId xmlns:a16="http://schemas.microsoft.com/office/drawing/2014/main" id="{B8CC069C-BF7D-48BC-BA20-237CAFBE74FB}"/>
-              </a:ext>
-            </a:extLst>
-          </p:cNvPr>
+          <p:cNvPr id="3" name="内容占位符 2"/>
           <p:cNvSpPr>
             <a:spLocks noGrp="1"/>
           </p:cNvSpPr>
@@ -9290,6 +8344,7 @@
               <a:rPr lang="en-US" altLang="zh-CN" dirty="0"/>
               <a:t> is what you need</a:t>
             </a:r>
+            <a:endParaRPr lang="en-US" altLang="zh-CN" dirty="0"/>
           </a:p>
           <a:p>
             <a:endParaRPr lang="en-US" altLang="zh-CN" dirty="0"/>
@@ -9312,11 +8367,6 @@
         </p:txBody>
       </p:sp>
     </p:spTree>
-    <p:extLst>
-      <p:ext uri="{BB962C8B-B14F-4D97-AF65-F5344CB8AC3E}">
-        <p14:creationId xmlns:p14="http://schemas.microsoft.com/office/powerpoint/2010/main" val="1526593533"/>
-      </p:ext>
-    </p:extLst>
   </p:cSld>
   <p:clrMapOvr>
     <a:masterClrMapping/>
@@ -9343,13 +8393,7 @@
       </p:grpSpPr>
       <p:sp>
         <p:nvSpPr>
-          <p:cNvPr id="3" name="内容占位符 2">
-            <a:extLst>
-              <a:ext uri="{FF2B5EF4-FFF2-40B4-BE49-F238E27FC236}">
-                <a16:creationId xmlns:a16="http://schemas.microsoft.com/office/drawing/2014/main" id="{D358B18F-621E-46B8-B7AE-4062A76EDD41}"/>
-              </a:ext>
-            </a:extLst>
-          </p:cNvPr>
+          <p:cNvPr id="3" name="内容占位符 2"/>
           <p:cNvSpPr>
             <a:spLocks noGrp="1"/>
           </p:cNvSpPr>
@@ -9368,20 +8412,14 @@
       </p:sp>
       <p:pic>
         <p:nvPicPr>
-          <p:cNvPr id="5" name="图片 4">
-            <a:extLst>
-              <a:ext uri="{FF2B5EF4-FFF2-40B4-BE49-F238E27FC236}">
-                <a16:creationId xmlns:a16="http://schemas.microsoft.com/office/drawing/2014/main" id="{5BF3CDB5-985D-452C-B6B0-83AD30265047}"/>
-              </a:ext>
-            </a:extLst>
-          </p:cNvPr>
+          <p:cNvPr id="5" name="图片 4"/>
           <p:cNvPicPr>
             <a:picLocks noChangeAspect="1"/>
           </p:cNvPicPr>
           <p:nvPr/>
         </p:nvPicPr>
         <p:blipFill>
-          <a:blip r:embed="rId2"/>
+          <a:blip r:embed="rId1"/>
           <a:stretch>
             <a:fillRect/>
           </a:stretch>
@@ -9398,20 +8436,14 @@
       </p:pic>
       <p:pic>
         <p:nvPicPr>
-          <p:cNvPr id="9" name="图片 8">
-            <a:extLst>
-              <a:ext uri="{FF2B5EF4-FFF2-40B4-BE49-F238E27FC236}">
-                <a16:creationId xmlns:a16="http://schemas.microsoft.com/office/drawing/2014/main" id="{38BE2876-71F2-44B0-9A43-9781BD325CF8}"/>
-              </a:ext>
-            </a:extLst>
-          </p:cNvPr>
+          <p:cNvPr id="9" name="图片 8"/>
           <p:cNvPicPr>
             <a:picLocks noChangeAspect="1"/>
           </p:cNvPicPr>
           <p:nvPr/>
         </p:nvPicPr>
         <p:blipFill>
-          <a:blip r:embed="rId3"/>
+          <a:blip r:embed="rId2"/>
           <a:stretch>
             <a:fillRect/>
           </a:stretch>
@@ -9428,13 +8460,7 @@
       </p:pic>
       <p:sp>
         <p:nvSpPr>
-          <p:cNvPr id="10" name="文本框 9">
-            <a:extLst>
-              <a:ext uri="{FF2B5EF4-FFF2-40B4-BE49-F238E27FC236}">
-                <a16:creationId xmlns:a16="http://schemas.microsoft.com/office/drawing/2014/main" id="{4C45A757-C81F-4C46-B0DF-354636DBF93C}"/>
-              </a:ext>
-            </a:extLst>
-          </p:cNvPr>
+          <p:cNvPr id="10" name="文本框 9"/>
           <p:cNvSpPr txBox="1"/>
           <p:nvPr/>
         </p:nvSpPr>
@@ -9473,13 +8499,7 @@
       </p:sp>
       <p:sp>
         <p:nvSpPr>
-          <p:cNvPr id="11" name="文本框 10">
-            <a:extLst>
-              <a:ext uri="{FF2B5EF4-FFF2-40B4-BE49-F238E27FC236}">
-                <a16:creationId xmlns:a16="http://schemas.microsoft.com/office/drawing/2014/main" id="{8F5F48EC-2917-476F-AA59-113EC85AAC4C}"/>
-              </a:ext>
-            </a:extLst>
-          </p:cNvPr>
+          <p:cNvPr id="11" name="文本框 10"/>
           <p:cNvSpPr txBox="1"/>
           <p:nvPr/>
         </p:nvSpPr>
@@ -9517,11 +8537,6 @@
         </p:txBody>
       </p:sp>
     </p:spTree>
-    <p:extLst>
-      <p:ext uri="{BB962C8B-B14F-4D97-AF65-F5344CB8AC3E}">
-        <p14:creationId xmlns:p14="http://schemas.microsoft.com/office/powerpoint/2010/main" val="2791112659"/>
-      </p:ext>
-    </p:extLst>
   </p:cSld>
   <p:clrMapOvr>
     <a:masterClrMapping/>
@@ -9548,13 +8563,7 @@
       </p:grpSpPr>
       <p:sp>
         <p:nvSpPr>
-          <p:cNvPr id="2" name="标题 1">
-            <a:extLst>
-              <a:ext uri="{FF2B5EF4-FFF2-40B4-BE49-F238E27FC236}">
-                <a16:creationId xmlns:a16="http://schemas.microsoft.com/office/drawing/2014/main" id="{91F17919-6421-4115-B351-7B3CE502BFBA}"/>
-              </a:ext>
-            </a:extLst>
-          </p:cNvPr>
+          <p:cNvPr id="2" name="标题 1"/>
           <p:cNvSpPr>
             <a:spLocks noGrp="1"/>
           </p:cNvSpPr>
@@ -9584,13 +8593,7 @@
       </p:sp>
       <p:pic>
         <p:nvPicPr>
-          <p:cNvPr id="9" name="内容占位符 8">
-            <a:extLst>
-              <a:ext uri="{FF2B5EF4-FFF2-40B4-BE49-F238E27FC236}">
-                <a16:creationId xmlns:a16="http://schemas.microsoft.com/office/drawing/2014/main" id="{051D54E4-FDE2-4FC3-9ACA-DCADDAA4AEC1}"/>
-              </a:ext>
-            </a:extLst>
-          </p:cNvPr>
+          <p:cNvPr id="9" name="内容占位符 8"/>
           <p:cNvPicPr>
             <a:picLocks noGrp="1" noChangeAspect="1"/>
           </p:cNvPicPr>
@@ -9599,7 +8602,7 @@
           </p:nvPr>
         </p:nvPicPr>
         <p:blipFill>
-          <a:blip r:embed="rId2"/>
+          <a:blip r:embed="rId1"/>
           <a:stretch>
             <a:fillRect/>
           </a:stretch>
@@ -9613,13 +8616,7 @@
       </p:pic>
       <p:sp>
         <p:nvSpPr>
-          <p:cNvPr id="4" name="Rectangle 1">
-            <a:extLst>
-              <a:ext uri="{FF2B5EF4-FFF2-40B4-BE49-F238E27FC236}">
-                <a16:creationId xmlns:a16="http://schemas.microsoft.com/office/drawing/2014/main" id="{6F65FE18-495F-4167-A5D7-C02679F403E3}"/>
-              </a:ext>
-            </a:extLst>
-          </p:cNvPr>
+          <p:cNvPr id="4" name="Rectangle 1"/>
           <p:cNvSpPr>
             <a:spLocks noChangeArrowheads="1"/>
           </p:cNvSpPr>
@@ -9645,9 +8642,6 @@
         </p:spPr>
         <p:txBody>
           <a:bodyPr vert="horz" wrap="square" lIns="91440" tIns="45720" rIns="91440" bIns="45720" numCol="1" anchor="ctr" anchorCtr="0" compatLnSpc="1">
-            <a:prstTxWarp prst="textNoShape">
-              <a:avLst/>
-            </a:prstTxWarp>
             <a:spAutoFit/>
           </a:bodyPr>
           <a:lstStyle/>
@@ -9666,7 +8660,6 @@
               <a:buSzTx/>
               <a:buFontTx/>
               <a:buNone/>
-              <a:tabLst/>
             </a:pPr>
             <a:r>
               <a:rPr kumimoji="0" lang="zh-CN" altLang="zh-CN" sz="2400" b="0" i="0" u="none" strike="noStrike" cap="none" normalizeH="0" baseline="0" dirty="0">
@@ -9849,20 +8842,14 @@
       </p:sp>
       <p:pic>
         <p:nvPicPr>
-          <p:cNvPr id="6" name="图片 5">
-            <a:extLst>
-              <a:ext uri="{FF2B5EF4-FFF2-40B4-BE49-F238E27FC236}">
-                <a16:creationId xmlns:a16="http://schemas.microsoft.com/office/drawing/2014/main" id="{698DF7CA-C2F8-4DAF-8654-53CDEF2BF7B5}"/>
-              </a:ext>
-            </a:extLst>
-          </p:cNvPr>
+          <p:cNvPr id="6" name="图片 5"/>
           <p:cNvPicPr>
             <a:picLocks noChangeAspect="1"/>
           </p:cNvPicPr>
           <p:nvPr/>
         </p:nvPicPr>
         <p:blipFill>
-          <a:blip r:embed="rId3"/>
+          <a:blip r:embed="rId2"/>
           <a:stretch>
             <a:fillRect/>
           </a:stretch>
@@ -9879,13 +8866,7 @@
       </p:pic>
       <p:sp>
         <p:nvSpPr>
-          <p:cNvPr id="7" name="Rectangle 2">
-            <a:extLst>
-              <a:ext uri="{FF2B5EF4-FFF2-40B4-BE49-F238E27FC236}">
-                <a16:creationId xmlns:a16="http://schemas.microsoft.com/office/drawing/2014/main" id="{1827462D-F301-46BF-A418-2BCFD5921550}"/>
-              </a:ext>
-            </a:extLst>
-          </p:cNvPr>
+          <p:cNvPr id="7" name="Rectangle 2"/>
           <p:cNvSpPr>
             <a:spLocks noChangeArrowheads="1"/>
           </p:cNvSpPr>
@@ -9911,9 +8892,6 @@
         </p:spPr>
         <p:txBody>
           <a:bodyPr vert="horz" wrap="square" lIns="91440" tIns="45720" rIns="91440" bIns="45720" numCol="1" anchor="ctr" anchorCtr="0" compatLnSpc="1">
-            <a:prstTxWarp prst="textNoShape">
-              <a:avLst/>
-            </a:prstTxWarp>
             <a:spAutoFit/>
           </a:bodyPr>
           <a:lstStyle/>
@@ -9932,7 +8910,6 @@
               <a:buSzTx/>
               <a:buFontTx/>
               <a:buNone/>
-              <a:tabLst/>
             </a:pPr>
             <a:r>
               <a:rPr kumimoji="0" lang="zh-CN" altLang="zh-CN" sz="2400" b="0" i="0" u="none" strike="noStrike" cap="none" normalizeH="0" baseline="0" dirty="0">
@@ -10075,11 +9052,6 @@
         </p:txBody>
       </p:sp>
     </p:spTree>
-    <p:extLst>
-      <p:ext uri="{BB962C8B-B14F-4D97-AF65-F5344CB8AC3E}">
-        <p14:creationId xmlns:p14="http://schemas.microsoft.com/office/powerpoint/2010/main" val="167466982"/>
-      </p:ext>
-    </p:extLst>
   </p:cSld>
   <p:clrMapOvr>
     <a:masterClrMapping/>
@@ -10106,13 +9078,7 @@
       </p:grpSpPr>
       <p:sp>
         <p:nvSpPr>
-          <p:cNvPr id="2" name="标题 1">
-            <a:extLst>
-              <a:ext uri="{FF2B5EF4-FFF2-40B4-BE49-F238E27FC236}">
-                <a16:creationId xmlns:a16="http://schemas.microsoft.com/office/drawing/2014/main" id="{08BCE3CC-21B9-49FD-B38C-1CF8DF541201}"/>
-              </a:ext>
-            </a:extLst>
-          </p:cNvPr>
+          <p:cNvPr id="2" name="标题 1"/>
           <p:cNvSpPr>
             <a:spLocks noGrp="1"/>
           </p:cNvSpPr>
@@ -10140,13 +9106,7 @@
       </p:sp>
       <p:sp>
         <p:nvSpPr>
-          <p:cNvPr id="3" name="内容占位符 2">
-            <a:extLst>
-              <a:ext uri="{FF2B5EF4-FFF2-40B4-BE49-F238E27FC236}">
-                <a16:creationId xmlns:a16="http://schemas.microsoft.com/office/drawing/2014/main" id="{AC3E47E8-296C-4885-AEA8-9B8AA27C7353}"/>
-              </a:ext>
-            </a:extLst>
-          </p:cNvPr>
+          <p:cNvPr id="3" name="内容占位符 2"/>
           <p:cNvSpPr>
             <a:spLocks noGrp="1"/>
           </p:cNvSpPr>
@@ -10165,13 +9125,7 @@
       </p:sp>
       <p:sp>
         <p:nvSpPr>
-          <p:cNvPr id="4" name="Rectangle 1">
-            <a:extLst>
-              <a:ext uri="{FF2B5EF4-FFF2-40B4-BE49-F238E27FC236}">
-                <a16:creationId xmlns:a16="http://schemas.microsoft.com/office/drawing/2014/main" id="{808AC5E5-AE46-4D5F-A979-E76193B94276}"/>
-              </a:ext>
-            </a:extLst>
-          </p:cNvPr>
+          <p:cNvPr id="4" name="Rectangle 1"/>
           <p:cNvSpPr>
             <a:spLocks noChangeArrowheads="1"/>
           </p:cNvSpPr>
@@ -10197,9 +9151,6 @@
         </p:spPr>
         <p:txBody>
           <a:bodyPr vert="horz" wrap="square" lIns="91440" tIns="45720" rIns="91440" bIns="45720" numCol="1" anchor="ctr" anchorCtr="0" compatLnSpc="1">
-            <a:prstTxWarp prst="textNoShape">
-              <a:avLst/>
-            </a:prstTxWarp>
             <a:spAutoFit/>
           </a:bodyPr>
           <a:lstStyle/>
@@ -10218,7 +9169,6 @@
               <a:buSzTx/>
               <a:buFontTx/>
               <a:buNone/>
-              <a:tabLst/>
             </a:pPr>
             <a:r>
               <a:rPr kumimoji="0" lang="zh-CN" altLang="zh-CN" sz="2800" b="0" i="0" u="none" strike="noStrike" cap="none" normalizeH="0" baseline="0" dirty="0">
@@ -10591,11 +9541,6 @@
         </p:txBody>
       </p:sp>
     </p:spTree>
-    <p:extLst>
-      <p:ext uri="{BB962C8B-B14F-4D97-AF65-F5344CB8AC3E}">
-        <p14:creationId xmlns:p14="http://schemas.microsoft.com/office/powerpoint/2010/main" val="4209161534"/>
-      </p:ext>
-    </p:extLst>
   </p:cSld>
   <p:clrMapOvr>
     <a:masterClrMapping/>
@@ -10622,13 +9567,7 @@
       </p:grpSpPr>
       <p:sp>
         <p:nvSpPr>
-          <p:cNvPr id="2" name="标题 1">
-            <a:extLst>
-              <a:ext uri="{FF2B5EF4-FFF2-40B4-BE49-F238E27FC236}">
-                <a16:creationId xmlns:a16="http://schemas.microsoft.com/office/drawing/2014/main" id="{08BCE3CC-21B9-49FD-B38C-1CF8DF541201}"/>
-              </a:ext>
-            </a:extLst>
-          </p:cNvPr>
+          <p:cNvPr id="2" name="标题 1"/>
           <p:cNvSpPr>
             <a:spLocks noGrp="1"/>
           </p:cNvSpPr>
@@ -10656,13 +9595,7 @@
       </p:sp>
       <p:sp>
         <p:nvSpPr>
-          <p:cNvPr id="3" name="内容占位符 2">
-            <a:extLst>
-              <a:ext uri="{FF2B5EF4-FFF2-40B4-BE49-F238E27FC236}">
-                <a16:creationId xmlns:a16="http://schemas.microsoft.com/office/drawing/2014/main" id="{AC3E47E8-296C-4885-AEA8-9B8AA27C7353}"/>
-              </a:ext>
-            </a:extLst>
-          </p:cNvPr>
+          <p:cNvPr id="3" name="内容占位符 2"/>
           <p:cNvSpPr>
             <a:spLocks noGrp="1"/>
           </p:cNvSpPr>
@@ -10681,20 +9614,14 @@
       </p:sp>
       <p:pic>
         <p:nvPicPr>
-          <p:cNvPr id="5" name="图片 4">
-            <a:extLst>
-              <a:ext uri="{FF2B5EF4-FFF2-40B4-BE49-F238E27FC236}">
-                <a16:creationId xmlns:a16="http://schemas.microsoft.com/office/drawing/2014/main" id="{44F31421-F510-4AE2-BC3C-71C5DE85DACC}"/>
-              </a:ext>
-            </a:extLst>
-          </p:cNvPr>
+          <p:cNvPr id="5" name="图片 4"/>
           <p:cNvPicPr>
             <a:picLocks noChangeAspect="1"/>
           </p:cNvPicPr>
           <p:nvPr/>
         </p:nvPicPr>
         <p:blipFill>
-          <a:blip r:embed="rId2"/>
+          <a:blip r:embed="rId1"/>
           <a:stretch>
             <a:fillRect/>
           </a:stretch>
@@ -10710,11 +9637,6 @@
         </p:spPr>
       </p:pic>
     </p:spTree>
-    <p:extLst>
-      <p:ext uri="{BB962C8B-B14F-4D97-AF65-F5344CB8AC3E}">
-        <p14:creationId xmlns:p14="http://schemas.microsoft.com/office/powerpoint/2010/main" val="440515427"/>
-      </p:ext>
-    </p:extLst>
   </p:cSld>
   <p:clrMapOvr>
     <a:masterClrMapping/>
@@ -10741,13 +9663,7 @@
       </p:grpSpPr>
       <p:sp>
         <p:nvSpPr>
-          <p:cNvPr id="2" name="标题 1">
-            <a:extLst>
-              <a:ext uri="{FF2B5EF4-FFF2-40B4-BE49-F238E27FC236}">
-                <a16:creationId xmlns:a16="http://schemas.microsoft.com/office/drawing/2014/main" id="{AD43AACF-7D2B-4F2D-8D66-CC03A46914DF}"/>
-              </a:ext>
-            </a:extLst>
-          </p:cNvPr>
+          <p:cNvPr id="2" name="标题 1"/>
           <p:cNvSpPr>
             <a:spLocks noGrp="1"/>
           </p:cNvSpPr>
@@ -10777,13 +9693,7 @@
       </p:sp>
       <p:sp>
         <p:nvSpPr>
-          <p:cNvPr id="3" name="内容占位符 2">
-            <a:extLst>
-              <a:ext uri="{FF2B5EF4-FFF2-40B4-BE49-F238E27FC236}">
-                <a16:creationId xmlns:a16="http://schemas.microsoft.com/office/drawing/2014/main" id="{B919A54A-44C5-4C3F-BA33-966C66CC4164}"/>
-              </a:ext>
-            </a:extLst>
-          </p:cNvPr>
+          <p:cNvPr id="3" name="内容占位符 2"/>
           <p:cNvSpPr>
             <a:spLocks noGrp="1"/>
           </p:cNvSpPr>
@@ -10802,13 +9712,7 @@
       </p:sp>
       <p:sp>
         <p:nvSpPr>
-          <p:cNvPr id="4" name="Rectangle 1">
-            <a:extLst>
-              <a:ext uri="{FF2B5EF4-FFF2-40B4-BE49-F238E27FC236}">
-                <a16:creationId xmlns:a16="http://schemas.microsoft.com/office/drawing/2014/main" id="{BDFB1260-D313-40D9-9F3A-7C60AF40F4E1}"/>
-              </a:ext>
-            </a:extLst>
-          </p:cNvPr>
+          <p:cNvPr id="4" name="Rectangle 1"/>
           <p:cNvSpPr>
             <a:spLocks noChangeArrowheads="1"/>
           </p:cNvSpPr>
@@ -10834,9 +9738,6 @@
         </p:spPr>
         <p:txBody>
           <a:bodyPr vert="horz" wrap="square" lIns="91440" tIns="45720" rIns="91440" bIns="45720" numCol="1" anchor="ctr" anchorCtr="0" compatLnSpc="1">
-            <a:prstTxWarp prst="textNoShape">
-              <a:avLst/>
-            </a:prstTxWarp>
             <a:spAutoFit/>
           </a:bodyPr>
           <a:lstStyle/>
@@ -10855,7 +9756,6 @@
               <a:buSzTx/>
               <a:buFontTx/>
               <a:buNone/>
-              <a:tabLst/>
             </a:pPr>
             <a:r>
               <a:rPr kumimoji="0" lang="zh-CN" altLang="zh-CN" sz="2800" b="0" i="0" u="none" strike="noStrike" cap="none" normalizeH="0" baseline="0" dirty="0">
@@ -11165,7 +10065,6 @@
               <a:buSzTx/>
               <a:buFontTx/>
               <a:buNone/>
-              <a:tabLst/>
             </a:pPr>
             <a:r>
               <a:rPr kumimoji="0" lang="en-US" altLang="zh-CN" sz="2800" b="0" i="0" u="none" strike="noStrike" cap="none" normalizeH="0" baseline="0" dirty="0">
@@ -11397,11 +10296,6 @@
         </p:txBody>
       </p:sp>
     </p:spTree>
-    <p:extLst>
-      <p:ext uri="{BB962C8B-B14F-4D97-AF65-F5344CB8AC3E}">
-        <p14:creationId xmlns:p14="http://schemas.microsoft.com/office/powerpoint/2010/main" val="3995360140"/>
-      </p:ext>
-    </p:extLst>
   </p:cSld>
   <p:clrMapOvr>
     <a:masterClrMapping/>
@@ -11452,7 +10346,7 @@
     </a:clrScheme>
     <a:fontScheme name="Office">
       <a:majorFont>
-        <a:latin typeface="等线 Light" panose="020F0302020204030204"/>
+        <a:latin typeface="等线 Light"/>
         <a:ea typeface=""/>
         <a:cs typeface=""/>
         <a:font script="Jpan" typeface="游ゴシック Light"/>
@@ -11485,26 +10379,9 @@
         <a:font script="Viet" typeface="Times New Roman"/>
         <a:font script="Uigh" typeface="Microsoft Uighur"/>
         <a:font script="Geor" typeface="Sylfaen"/>
-        <a:font script="Armn" typeface="Arial"/>
-        <a:font script="Bugi" typeface="Leelawadee UI"/>
-        <a:font script="Bopo" typeface="Microsoft JhengHei"/>
-        <a:font script="Java" typeface="Javanese Text"/>
-        <a:font script="Lisu" typeface="Segoe UI"/>
-        <a:font script="Mymr" typeface="Myanmar Text"/>
-        <a:font script="Nkoo" typeface="Ebrima"/>
-        <a:font script="Olck" typeface="Nirmala UI"/>
-        <a:font script="Osma" typeface="Ebrima"/>
-        <a:font script="Phag" typeface="Phagspa"/>
-        <a:font script="Syrn" typeface="Estrangelo Edessa"/>
-        <a:font script="Syrj" typeface="Estrangelo Edessa"/>
-        <a:font script="Syre" typeface="Estrangelo Edessa"/>
-        <a:font script="Sora" typeface="Nirmala UI"/>
-        <a:font script="Tale" typeface="Microsoft Tai Le"/>
-        <a:font script="Talu" typeface="Microsoft New Tai Lue"/>
-        <a:font script="Tfng" typeface="Ebrima"/>
       </a:majorFont>
       <a:minorFont>
-        <a:latin typeface="等线" panose="020F0502020204030204"/>
+        <a:latin typeface="等线"/>
         <a:ea typeface=""/>
         <a:cs typeface=""/>
         <a:font script="Jpan" typeface="游ゴシック"/>
@@ -11537,23 +10414,6 @@
         <a:font script="Viet" typeface="Arial"/>
         <a:font script="Uigh" typeface="Microsoft Uighur"/>
         <a:font script="Geor" typeface="Sylfaen"/>
-        <a:font script="Armn" typeface="Arial"/>
-        <a:font script="Bugi" typeface="Leelawadee UI"/>
-        <a:font script="Bopo" typeface="Microsoft JhengHei"/>
-        <a:font script="Java" typeface="Javanese Text"/>
-        <a:font script="Lisu" typeface="Segoe UI"/>
-        <a:font script="Mymr" typeface="Myanmar Text"/>
-        <a:font script="Nkoo" typeface="Ebrima"/>
-        <a:font script="Olck" typeface="Nirmala UI"/>
-        <a:font script="Osma" typeface="Ebrima"/>
-        <a:font script="Phag" typeface="Phagspa"/>
-        <a:font script="Syrn" typeface="Estrangelo Edessa"/>
-        <a:font script="Syrj" typeface="Estrangelo Edessa"/>
-        <a:font script="Syre" typeface="Estrangelo Edessa"/>
-        <a:font script="Sora" typeface="Nirmala UI"/>
-        <a:font script="Tale" typeface="Microsoft Tai Le"/>
-        <a:font script="Talu" typeface="Microsoft New Tai Lue"/>
-        <a:font script="Tfng" typeface="Ebrima"/>
       </a:minorFont>
     </a:fontScheme>
     <a:fmtScheme name="Office">
@@ -11694,8 +10554,6 @@
       </a:bgFillStyleLst>
     </a:fmtScheme>
   </a:themeElements>
-  <a:objectDefaults/>
-  <a:extraClrSchemeLst/>
   <a:extLst>
     <a:ext uri="{05A4C25C-085E-4340-85A3-A5531E510DB2}">
       <thm15:themeFamily xmlns:thm15="http://schemas.microsoft.com/office/thememl/2012/main" name="Office Theme" id="{62F939B6-93AF-4DB8-9C6B-D6C7DFDC589F}" vid="{4A3C46E8-61CC-4603-A589-7422A47A8E4A}"/>
